--- a/ExternalFig/FunctionalRedundancy.pptx
+++ b/ExternalFig/FunctionalRedundancy.pptx
@@ -6,6 +6,7 @@
   </p:sldMasterIdLst>
   <p:sldIdLst>
     <p:sldId id="256" r:id="rId2"/>
+    <p:sldId id="257" r:id="rId3"/>
   </p:sldIdLst>
   <p:sldSz cx="12192000" cy="6858000"/>
   <p:notesSz cx="6858000" cy="9144000"/>
@@ -104,6 +105,11 @@
       </a:defRPr>
     </a:lvl9pPr>
   </p:defaultTextStyle>
+  <p:extLst>
+    <p:ext uri="{EFAFB233-063F-42B5-8137-9DF3F51BA10A}">
+      <p15:sldGuideLst xmlns:p15="http://schemas.microsoft.com/office/powerpoint/2012/main"/>
+    </p:ext>
+  </p:extLst>
 </p:presentation>
 </file>
 
@@ -238,7 +244,7 @@
           <a:p>
             <a:fld id="{D9697865-2158-46A4-A484-857B5D1D6248}" type="datetimeFigureOut">
               <a:rPr lang="fr-FR" smtClean="0"/>
-              <a:t>17/05/2018</a:t>
+              <a:t>07/06/2018</a:t>
             </a:fld>
             <a:endParaRPr lang="fr-FR"/>
           </a:p>
@@ -408,7 +414,7 @@
           <a:p>
             <a:fld id="{D9697865-2158-46A4-A484-857B5D1D6248}" type="datetimeFigureOut">
               <a:rPr lang="fr-FR" smtClean="0"/>
-              <a:t>17/05/2018</a:t>
+              <a:t>07/06/2018</a:t>
             </a:fld>
             <a:endParaRPr lang="fr-FR"/>
           </a:p>
@@ -588,7 +594,7 @@
           <a:p>
             <a:fld id="{D9697865-2158-46A4-A484-857B5D1D6248}" type="datetimeFigureOut">
               <a:rPr lang="fr-FR" smtClean="0"/>
-              <a:t>17/05/2018</a:t>
+              <a:t>07/06/2018</a:t>
             </a:fld>
             <a:endParaRPr lang="fr-FR"/>
           </a:p>
@@ -758,7 +764,7 @@
           <a:p>
             <a:fld id="{D9697865-2158-46A4-A484-857B5D1D6248}" type="datetimeFigureOut">
               <a:rPr lang="fr-FR" smtClean="0"/>
-              <a:t>17/05/2018</a:t>
+              <a:t>07/06/2018</a:t>
             </a:fld>
             <a:endParaRPr lang="fr-FR"/>
           </a:p>
@@ -1004,7 +1010,7 @@
           <a:p>
             <a:fld id="{D9697865-2158-46A4-A484-857B5D1D6248}" type="datetimeFigureOut">
               <a:rPr lang="fr-FR" smtClean="0"/>
-              <a:t>17/05/2018</a:t>
+              <a:t>07/06/2018</a:t>
             </a:fld>
             <a:endParaRPr lang="fr-FR"/>
           </a:p>
@@ -1236,7 +1242,7 @@
           <a:p>
             <a:fld id="{D9697865-2158-46A4-A484-857B5D1D6248}" type="datetimeFigureOut">
               <a:rPr lang="fr-FR" smtClean="0"/>
-              <a:t>17/05/2018</a:t>
+              <a:t>07/06/2018</a:t>
             </a:fld>
             <a:endParaRPr lang="fr-FR"/>
           </a:p>
@@ -1603,7 +1609,7 @@
           <a:p>
             <a:fld id="{D9697865-2158-46A4-A484-857B5D1D6248}" type="datetimeFigureOut">
               <a:rPr lang="fr-FR" smtClean="0"/>
-              <a:t>17/05/2018</a:t>
+              <a:t>07/06/2018</a:t>
             </a:fld>
             <a:endParaRPr lang="fr-FR"/>
           </a:p>
@@ -1721,7 +1727,7 @@
           <a:p>
             <a:fld id="{D9697865-2158-46A4-A484-857B5D1D6248}" type="datetimeFigureOut">
               <a:rPr lang="fr-FR" smtClean="0"/>
-              <a:t>17/05/2018</a:t>
+              <a:t>07/06/2018</a:t>
             </a:fld>
             <a:endParaRPr lang="fr-FR"/>
           </a:p>
@@ -1816,7 +1822,7 @@
           <a:p>
             <a:fld id="{D9697865-2158-46A4-A484-857B5D1D6248}" type="datetimeFigureOut">
               <a:rPr lang="fr-FR" smtClean="0"/>
-              <a:t>17/05/2018</a:t>
+              <a:t>07/06/2018</a:t>
             </a:fld>
             <a:endParaRPr lang="fr-FR"/>
           </a:p>
@@ -2093,7 +2099,7 @@
           <a:p>
             <a:fld id="{D9697865-2158-46A4-A484-857B5D1D6248}" type="datetimeFigureOut">
               <a:rPr lang="fr-FR" smtClean="0"/>
-              <a:t>17/05/2018</a:t>
+              <a:t>07/06/2018</a:t>
             </a:fld>
             <a:endParaRPr lang="fr-FR"/>
           </a:p>
@@ -2346,7 +2352,7 @@
           <a:p>
             <a:fld id="{D9697865-2158-46A4-A484-857B5D1D6248}" type="datetimeFigureOut">
               <a:rPr lang="fr-FR" smtClean="0"/>
-              <a:t>17/05/2018</a:t>
+              <a:t>07/06/2018</a:t>
             </a:fld>
             <a:endParaRPr lang="fr-FR"/>
           </a:p>
@@ -2559,7 +2565,7 @@
           <a:p>
             <a:fld id="{D9697865-2158-46A4-A484-857B5D1D6248}" type="datetimeFigureOut">
               <a:rPr lang="fr-FR" smtClean="0"/>
-              <a:t>17/05/2018</a:t>
+              <a:t>07/06/2018</a:t>
             </a:fld>
             <a:endParaRPr lang="fr-FR"/>
           </a:p>
@@ -3256,14 +3262,7 @@
                       <a:latin typeface="Cambria Math" panose="02040503050406030204" pitchFamily="18" charset="0"/>
                       <a:ea typeface="Cambria Math" panose="02040503050406030204" pitchFamily="18" charset="0"/>
                     </a:rPr>
-                    <a:t>                       </a:t>
-                  </a:r>
-                  <a:r>
-                    <a:rPr lang="fr-FR" sz="1050" dirty="0" smtClean="0">
-                      <a:latin typeface="Cambria Math" panose="02040503050406030204" pitchFamily="18" charset="0"/>
-                      <a:ea typeface="Cambria Math" panose="02040503050406030204" pitchFamily="18" charset="0"/>
-                    </a:rPr>
-                    <a:t>…</a:t>
+                    <a:t>                       …</a:t>
                   </a:r>
                 </a:p>
                 <a:p>
@@ -4142,12 +4141,6 @@
                 </a:rPr>
                 <a:t>.</a:t>
               </a:r>
-              <a:endParaRPr lang="en-US" sz="900" b="1" dirty="0">
-                <a:solidFill>
-                  <a:schemeClr val="accent1"/>
-                </a:solidFill>
-                <a:latin typeface="Cambria" panose="02040503050406030204" pitchFamily="18" charset="0"/>
-              </a:endParaRPr>
             </a:p>
           </p:txBody>
         </p:sp>
@@ -4229,10 +4222,6 @@
                 </a:rPr>
                 <a:t>…</a:t>
               </a:r>
-              <a:endParaRPr lang="fr-FR" dirty="0">
-                <a:latin typeface="Cambria Math" panose="02040503050406030204" pitchFamily="18" charset="0"/>
-                <a:ea typeface="Cambria Math" panose="02040503050406030204" pitchFamily="18" charset="0"/>
-              </a:endParaRPr>
             </a:p>
           </p:txBody>
         </p:sp>
@@ -4287,10 +4276,6 @@
                 </a:rPr>
                 <a:t>…</a:t>
               </a:r>
-              <a:endParaRPr lang="fr-FR" dirty="0">
-                <a:latin typeface="Cambria Math" panose="02040503050406030204" pitchFamily="18" charset="0"/>
-                <a:ea typeface="Cambria Math" panose="02040503050406030204" pitchFamily="18" charset="0"/>
-              </a:endParaRPr>
             </a:p>
           </p:txBody>
         </p:sp>
@@ -5032,8 +5017,8 @@
             </a:p>
           </p:txBody>
         </p:sp>
-        <mc:AlternateContent xmlns:mc="http://schemas.openxmlformats.org/markup-compatibility/2006">
-          <mc:Choice xmlns:a14="http://schemas.microsoft.com/office/drawing/2010/main" Requires="a14">
+        <mc:AlternateContent xmlns:mc="http://schemas.openxmlformats.org/markup-compatibility/2006" xmlns:a14="http://schemas.microsoft.com/office/drawing/2010/main">
+          <mc:Choice Requires="a14">
             <p:sp>
               <p:nvSpPr>
                 <p:cNvPr id="108" name="ZoneTexte 107"/>
@@ -5056,6 +5041,7 @@
                 </a:bodyPr>
                 <a:lstStyle/>
                 <a:p>
+                  <a:pPr/>
                   <a14:m>
                     <m:oMathPara xmlns:m="http://schemas.openxmlformats.org/officeDocument/2006/math">
                       <m:oMathParaPr>
@@ -5086,7 +5072,16 @@
                                 </a:solidFill>
                                 <a:latin typeface="Cambria Math" panose="02040503050406030204" pitchFamily="18" charset="0"/>
                               </a:rPr>
-                              <m:t>𝑝𝑖𝑥𝑒𝑙𝑠</m:t>
+                              <m:t>𝑝</m:t>
+                            </m:r>
+                            <m:r>
+                              <a:rPr lang="fr-FR" sz="1100" b="0" i="1" smtClean="0">
+                                <a:solidFill>
+                                  <a:schemeClr val="accent1"/>
+                                </a:solidFill>
+                                <a:latin typeface="Cambria Math" panose="02040503050406030204" pitchFamily="18" charset="0"/>
+                              </a:rPr>
+                              <m:t>𝑖𝑥𝑒𝑙𝑠</m:t>
                             </m:r>
                           </m:sub>
                           <m:sup/>
@@ -5158,7 +5153,7 @@
               </p:txBody>
             </p:sp>
           </mc:Choice>
-          <mc:Fallback>
+          <mc:Fallback xmlns="">
             <p:sp>
               <p:nvSpPr>
                 <p:cNvPr id="108" name="ZoneTexte 107"/>
@@ -5197,8 +5192,8 @@
             </p:sp>
           </mc:Fallback>
         </mc:AlternateContent>
-        <mc:AlternateContent xmlns:mc="http://schemas.openxmlformats.org/markup-compatibility/2006">
-          <mc:Choice xmlns:a14="http://schemas.microsoft.com/office/drawing/2010/main" Requires="a14">
+        <mc:AlternateContent xmlns:mc="http://schemas.openxmlformats.org/markup-compatibility/2006" xmlns:a14="http://schemas.microsoft.com/office/drawing/2010/main">
+          <mc:Choice Requires="a14">
             <p:sp>
               <p:nvSpPr>
                 <p:cNvPr id="110" name="ZoneTexte 109"/>
@@ -5221,6 +5216,7 @@
                 </a:bodyPr>
                 <a:lstStyle/>
                 <a:p>
+                  <a:pPr/>
                   <a14:m>
                     <m:oMathPara xmlns:m="http://schemas.openxmlformats.org/officeDocument/2006/math">
                       <m:oMathParaPr>
@@ -5262,7 +5258,7 @@
               </p:txBody>
             </p:sp>
           </mc:Choice>
-          <mc:Fallback>
+          <mc:Fallback xmlns="">
             <p:sp>
               <p:nvSpPr>
                 <p:cNvPr id="110" name="ZoneTexte 109"/>
@@ -5805,15 +5801,7 @@
             </a:r>
             <a:r>
               <a:rPr lang="en-US" sz="1100" dirty="0" smtClean="0"/>
-              <a:t>i</a:t>
-            </a:r>
-            <a:r>
-              <a:rPr lang="en-US" sz="1100" dirty="0" smtClean="0"/>
-              <a:t>n</a:t>
-            </a:r>
-            <a:r>
-              <a:rPr lang="en-US" sz="1100" dirty="0" smtClean="0"/>
-              <a:t> communities</a:t>
+              <a:t>in communities</a:t>
             </a:r>
             <a:r>
               <a:rPr lang="en-US" sz="1100" dirty="0"/>
@@ -5837,30 +5825,14 @@
             </a:r>
             <a:r>
               <a:rPr lang="en-US" sz="1100" dirty="0" smtClean="0"/>
-              <a:t>give species traits probability </a:t>
-            </a:r>
+              <a:t>give species traits probability distribution (TDP).</a:t>
+            </a:r>
+            <a:endParaRPr lang="en-US" sz="1100" dirty="0"/>
+          </a:p>
+          <a:p>
             <a:r>
               <a:rPr lang="en-US" sz="1100" dirty="0" smtClean="0"/>
-              <a:t>distribution (TDP)</a:t>
-            </a:r>
-            <a:r>
-              <a:rPr lang="en-US" sz="1100" dirty="0" smtClean="0"/>
-              <a:t>.</a:t>
-            </a:r>
-            <a:endParaRPr lang="en-US" sz="1100" dirty="0"/>
-          </a:p>
-          <a:p>
-            <a:r>
-              <a:rPr lang="en-US" sz="1100" dirty="0" smtClean="0"/>
-              <a:t>TDP, weighted </a:t>
-            </a:r>
-            <a:r>
-              <a:rPr lang="en-US" sz="1100" dirty="0" smtClean="0"/>
-              <a:t>by species abundance, </a:t>
-            </a:r>
-            <a:r>
-              <a:rPr lang="en-US" sz="1100" dirty="0" smtClean="0"/>
-              <a:t>are summed to give communities TDP: the functional redundancy is the </a:t>
+              <a:t>TDP, weighted by species abundance, are summed to give communities TDP: the functional redundancy is the </a:t>
             </a:r>
             <a:r>
               <a:rPr lang="en-US" sz="1100" dirty="0"/>
@@ -5890,6 +5862,2348 @@
     <p:extLst>
       <p:ext uri="{BB962C8B-B14F-4D97-AF65-F5344CB8AC3E}">
         <p14:creationId xmlns:p14="http://schemas.microsoft.com/office/powerpoint/2010/main" val="3923169996"/>
+      </p:ext>
+    </p:extLst>
+  </p:cSld>
+  <p:clrMapOvr>
+    <a:masterClrMapping/>
+  </p:clrMapOvr>
+</p:sld>
+</file>
+
+<file path=ppt/slides/slide2.xml><?xml version="1.0" encoding="utf-8"?>
+<p:sld xmlns:a="http://schemas.openxmlformats.org/drawingml/2006/main" xmlns:r="http://schemas.openxmlformats.org/officeDocument/2006/relationships" xmlns:p="http://schemas.openxmlformats.org/presentationml/2006/main">
+  <p:cSld>
+    <p:spTree>
+      <p:nvGrpSpPr>
+        <p:cNvPr id="1" name=""/>
+        <p:cNvGrpSpPr/>
+        <p:nvPr/>
+      </p:nvGrpSpPr>
+      <p:grpSpPr>
+        <a:xfrm>
+          <a:off x="0" y="0"/>
+          <a:ext cx="0" cy="0"/>
+          <a:chOff x="0" y="0"/>
+          <a:chExt cx="0" cy="0"/>
+        </a:xfrm>
+      </p:grpSpPr>
+      <p:grpSp>
+        <p:nvGrpSpPr>
+          <p:cNvPr id="119" name="Groupe 118"/>
+          <p:cNvGrpSpPr/>
+          <p:nvPr/>
+        </p:nvGrpSpPr>
+        <p:grpSpPr>
+          <a:xfrm>
+            <a:off x="2" y="975538"/>
+            <a:ext cx="12160153" cy="3606652"/>
+            <a:chOff x="-49168" y="40474"/>
+            <a:chExt cx="12160153" cy="3606652"/>
+          </a:xfrm>
+        </p:grpSpPr>
+        <p:grpSp>
+          <p:nvGrpSpPr>
+            <p:cNvPr id="28" name="Groupe 27"/>
+            <p:cNvGrpSpPr/>
+            <p:nvPr/>
+          </p:nvGrpSpPr>
+          <p:grpSpPr>
+            <a:xfrm>
+              <a:off x="-49168" y="40474"/>
+              <a:ext cx="2178260" cy="2666849"/>
+              <a:chOff x="1594322" y="-136341"/>
+              <a:chExt cx="2178260" cy="2666849"/>
+            </a:xfrm>
+          </p:grpSpPr>
+          <p:grpSp>
+            <p:nvGrpSpPr>
+              <p:cNvPr id="11" name="Groupe 10"/>
+              <p:cNvGrpSpPr/>
+              <p:nvPr/>
+            </p:nvGrpSpPr>
+            <p:grpSpPr>
+              <a:xfrm>
+                <a:off x="1612149" y="-136341"/>
+                <a:ext cx="2160433" cy="2666849"/>
+                <a:chOff x="111692" y="2169538"/>
+                <a:chExt cx="2160433" cy="2666849"/>
+              </a:xfrm>
+            </p:grpSpPr>
+            <p:pic>
+              <p:nvPicPr>
+                <p:cNvPr id="12" name="Picture 2"/>
+                <p:cNvPicPr>
+                  <a:picLocks noChangeAspect="1" noChangeArrowheads="1"/>
+                </p:cNvPicPr>
+                <p:nvPr/>
+              </p:nvPicPr>
+              <p:blipFill>
+                <a:blip r:embed="rId2">
+                  <a:extLst>
+                    <a:ext uri="{28A0092B-C50C-407E-A947-70E740481C1C}">
+                      <a14:useLocalDpi xmlns:a14="http://schemas.microsoft.com/office/drawing/2010/main" val="0"/>
+                    </a:ext>
+                  </a:extLst>
+                </a:blip>
+                <a:srcRect/>
+                <a:stretch>
+                  <a:fillRect/>
+                </a:stretch>
+              </p:blipFill>
+              <p:spPr bwMode="auto">
+                <a:xfrm>
+                  <a:off x="111692" y="2202512"/>
+                  <a:ext cx="847234" cy="2565442"/>
+                </a:xfrm>
+                <a:prstGeom prst="rect">
+                  <a:avLst/>
+                </a:prstGeom>
+                <a:noFill/>
+                <a:ln>
+                  <a:noFill/>
+                </a:ln>
+                <a:effectLst/>
+                <a:extLst>
+                  <a:ext uri="{909E8E84-426E-40DD-AFC4-6F175D3DCCD1}">
+                    <a14:hiddenFill xmlns:a14="http://schemas.microsoft.com/office/drawing/2010/main">
+                      <a:solidFill>
+                        <a:schemeClr val="accent1"/>
+                      </a:solidFill>
+                    </a14:hiddenFill>
+                  </a:ext>
+                  <a:ext uri="{91240B29-F687-4F45-9708-019B960494DF}">
+                    <a14:hiddenLine xmlns:a14="http://schemas.microsoft.com/office/drawing/2010/main" w="9525">
+                      <a:solidFill>
+                        <a:schemeClr val="tx1"/>
+                      </a:solidFill>
+                      <a:miter lim="800000"/>
+                      <a:headEnd/>
+                      <a:tailEnd/>
+                    </a14:hiddenLine>
+                  </a:ext>
+                  <a:ext uri="{AF507438-7753-43E0-B8FC-AC1667EBCBE1}">
+                    <a14:hiddenEffects xmlns:a14="http://schemas.microsoft.com/office/drawing/2010/main">
+                      <a:effectLst>
+                        <a:outerShdw dist="35921" dir="2700000" algn="ctr" rotWithShape="0">
+                          <a:schemeClr val="bg2"/>
+                        </a:outerShdw>
+                      </a:effectLst>
+                    </a14:hiddenEffects>
+                  </a:ext>
+                </a:extLst>
+              </p:spPr>
+            </p:pic>
+            <p:pic>
+              <p:nvPicPr>
+                <p:cNvPr id="13" name="Picture 2"/>
+                <p:cNvPicPr>
+                  <a:picLocks noChangeAspect="1" noChangeArrowheads="1"/>
+                </p:cNvPicPr>
+                <p:nvPr/>
+              </p:nvPicPr>
+              <p:blipFill>
+                <a:blip r:embed="rId2">
+                  <a:extLst>
+                    <a:ext uri="{28A0092B-C50C-407E-A947-70E740481C1C}">
+                      <a14:useLocalDpi xmlns:a14="http://schemas.microsoft.com/office/drawing/2010/main" val="0"/>
+                    </a:ext>
+                  </a:extLst>
+                </a:blip>
+                <a:srcRect/>
+                <a:stretch>
+                  <a:fillRect/>
+                </a:stretch>
+              </p:blipFill>
+              <p:spPr bwMode="auto">
+                <a:xfrm flipH="1">
+                  <a:off x="1418846" y="2169538"/>
+                  <a:ext cx="853279" cy="2666849"/>
+                </a:xfrm>
+                <a:prstGeom prst="rect">
+                  <a:avLst/>
+                </a:prstGeom>
+                <a:noFill/>
+                <a:ln>
+                  <a:noFill/>
+                </a:ln>
+                <a:effectLst/>
+                <a:extLst>
+                  <a:ext uri="{909E8E84-426E-40DD-AFC4-6F175D3DCCD1}">
+                    <a14:hiddenFill xmlns:a14="http://schemas.microsoft.com/office/drawing/2010/main">
+                      <a:solidFill>
+                        <a:schemeClr val="accent1"/>
+                      </a:solidFill>
+                    </a14:hiddenFill>
+                  </a:ext>
+                  <a:ext uri="{91240B29-F687-4F45-9708-019B960494DF}">
+                    <a14:hiddenLine xmlns:a14="http://schemas.microsoft.com/office/drawing/2010/main" w="9525">
+                      <a:solidFill>
+                        <a:schemeClr val="tx1"/>
+                      </a:solidFill>
+                      <a:miter lim="800000"/>
+                      <a:headEnd/>
+                      <a:tailEnd/>
+                    </a14:hiddenLine>
+                  </a:ext>
+                  <a:ext uri="{AF507438-7753-43E0-B8FC-AC1667EBCBE1}">
+                    <a14:hiddenEffects xmlns:a14="http://schemas.microsoft.com/office/drawing/2010/main">
+                      <a:effectLst>
+                        <a:outerShdw dist="35921" dir="2700000" algn="ctr" rotWithShape="0">
+                          <a:schemeClr val="bg2"/>
+                        </a:outerShdw>
+                      </a:effectLst>
+                    </a14:hiddenEffects>
+                  </a:ext>
+                </a:extLst>
+              </p:spPr>
+            </p:pic>
+            <p:sp>
+              <p:nvSpPr>
+                <p:cNvPr id="14" name="Rectangle 13"/>
+                <p:cNvSpPr/>
+                <p:nvPr/>
+              </p:nvSpPr>
+              <p:spPr>
+                <a:xfrm>
+                  <a:off x="551943" y="3068960"/>
+                  <a:ext cx="1313180" cy="1007968"/>
+                </a:xfrm>
+                <a:prstGeom prst="rect">
+                  <a:avLst/>
+                </a:prstGeom>
+              </p:spPr>
+              <p:txBody>
+                <a:bodyPr wrap="none">
+                  <a:spAutoFit/>
+                </a:bodyPr>
+                <a:lstStyle/>
+                <a:p>
+                  <a:r>
+                    <a:rPr lang="fr-FR" sz="1050" dirty="0" smtClean="0">
+                      <a:latin typeface="Cambria Math" panose="02040503050406030204" pitchFamily="18" charset="0"/>
+                      <a:ea typeface="Cambria Math" panose="02040503050406030204" pitchFamily="18" charset="0"/>
+                    </a:rPr>
+                    <a:t>Trait</a:t>
+                  </a:r>
+                  <a:r>
+                    <a:rPr lang="fr-FR" sz="1050" baseline="30000" dirty="0" smtClean="0">
+                      <a:latin typeface="Cambria Math" panose="02040503050406030204" pitchFamily="18" charset="0"/>
+                      <a:ea typeface="Cambria Math" panose="02040503050406030204" pitchFamily="18" charset="0"/>
+                    </a:rPr>
+                    <a:t>a</a:t>
+                  </a:r>
+                  <a:r>
+                    <a:rPr lang="fr-FR" sz="1050" baseline="-25000" dirty="0" smtClean="0">
+                      <a:latin typeface="Cambria Math" panose="02040503050406030204" pitchFamily="18" charset="0"/>
+                      <a:ea typeface="Cambria Math" panose="02040503050406030204" pitchFamily="18" charset="0"/>
+                    </a:rPr>
+                    <a:t>1  </a:t>
+                  </a:r>
+                  <a:r>
+                    <a:rPr lang="fr-FR" sz="1050" dirty="0" smtClean="0">
+                      <a:latin typeface="Cambria Math" panose="02040503050406030204" pitchFamily="18" charset="0"/>
+                      <a:ea typeface="Cambria Math" panose="02040503050406030204" pitchFamily="18" charset="0"/>
+                    </a:rPr>
+                    <a:t>…  </a:t>
+                  </a:r>
+                  <a:r>
+                    <a:rPr lang="fr-FR" sz="1050" baseline="-25000" dirty="0" smtClean="0">
+                      <a:latin typeface="Cambria Math" panose="02040503050406030204" pitchFamily="18" charset="0"/>
+                      <a:ea typeface="Cambria Math" panose="02040503050406030204" pitchFamily="18" charset="0"/>
+                    </a:rPr>
+                    <a:t> </a:t>
+                  </a:r>
+                  <a:r>
+                    <a:rPr lang="fr-FR" sz="1050" dirty="0" smtClean="0">
+                      <a:latin typeface="Cambria Math" panose="02040503050406030204" pitchFamily="18" charset="0"/>
+                      <a:ea typeface="Cambria Math" panose="02040503050406030204" pitchFamily="18" charset="0"/>
+                    </a:rPr>
+                    <a:t>…</a:t>
+                  </a:r>
+                  <a:r>
+                    <a:rPr lang="fr-FR" sz="1050" baseline="-25000" dirty="0" smtClean="0">
+                      <a:latin typeface="Cambria Math" panose="02040503050406030204" pitchFamily="18" charset="0"/>
+                      <a:ea typeface="Cambria Math" panose="02040503050406030204" pitchFamily="18" charset="0"/>
+                    </a:rPr>
+                    <a:t>   </a:t>
+                  </a:r>
+                  <a:r>
+                    <a:rPr lang="fr-FR" sz="1050" dirty="0" smtClean="0">
+                      <a:latin typeface="Cambria Math" panose="02040503050406030204" pitchFamily="18" charset="0"/>
+                      <a:ea typeface="Cambria Math" panose="02040503050406030204" pitchFamily="18" charset="0"/>
+                    </a:rPr>
+                    <a:t>Trait</a:t>
+                  </a:r>
+                  <a:r>
+                    <a:rPr lang="fr-FR" sz="1050" baseline="30000" dirty="0" smtClean="0">
+                      <a:latin typeface="Cambria Math" panose="02040503050406030204" pitchFamily="18" charset="0"/>
+                      <a:ea typeface="Cambria Math" panose="02040503050406030204" pitchFamily="18" charset="0"/>
+                    </a:rPr>
+                    <a:t>x</a:t>
+                  </a:r>
+                  <a:r>
+                    <a:rPr lang="fr-FR" sz="1050" baseline="-25000" dirty="0" smtClean="0">
+                      <a:latin typeface="Cambria Math" panose="02040503050406030204" pitchFamily="18" charset="0"/>
+                      <a:ea typeface="Cambria Math" panose="02040503050406030204" pitchFamily="18" charset="0"/>
+                    </a:rPr>
+                    <a:t>1</a:t>
+                  </a:r>
+                  <a:endParaRPr lang="fr-FR" sz="1050" dirty="0" smtClean="0">
+                    <a:latin typeface="Cambria Math" panose="02040503050406030204" pitchFamily="18" charset="0"/>
+                    <a:ea typeface="Cambria Math" panose="02040503050406030204" pitchFamily="18" charset="0"/>
+                  </a:endParaRPr>
+                </a:p>
+                <a:p>
+                  <a:endParaRPr lang="fr-FR" sz="1050" baseline="-25000" dirty="0" smtClean="0">
+                    <a:latin typeface="Cambria Math" panose="02040503050406030204" pitchFamily="18" charset="0"/>
+                    <a:ea typeface="Cambria Math" panose="02040503050406030204" pitchFamily="18" charset="0"/>
+                  </a:endParaRPr>
+                </a:p>
+                <a:p>
+                  <a:r>
+                    <a:rPr lang="fr-FR" sz="1050" dirty="0" smtClean="0">
+                      <a:latin typeface="Cambria Math" panose="02040503050406030204" pitchFamily="18" charset="0"/>
+                      <a:ea typeface="Cambria Math" panose="02040503050406030204" pitchFamily="18" charset="0"/>
+                    </a:rPr>
+                    <a:t>…</a:t>
+                  </a:r>
+                  <a:r>
+                    <a:rPr lang="fr-FR" sz="1050" dirty="0">
+                      <a:latin typeface="Cambria Math" panose="02040503050406030204" pitchFamily="18" charset="0"/>
+                      <a:ea typeface="Cambria Math" panose="02040503050406030204" pitchFamily="18" charset="0"/>
+                    </a:rPr>
+                    <a:t> </a:t>
+                  </a:r>
+                  <a:r>
+                    <a:rPr lang="fr-FR" sz="1050" dirty="0" smtClean="0">
+                      <a:latin typeface="Cambria Math" panose="02040503050406030204" pitchFamily="18" charset="0"/>
+                      <a:ea typeface="Cambria Math" panose="02040503050406030204" pitchFamily="18" charset="0"/>
+                    </a:rPr>
+                    <a:t>                       …</a:t>
+                  </a:r>
+                </a:p>
+                <a:p>
+                  <a:r>
+                    <a:rPr lang="fr-FR" sz="1050" dirty="0" smtClean="0">
+                      <a:latin typeface="Cambria Math" panose="02040503050406030204" pitchFamily="18" charset="0"/>
+                      <a:ea typeface="Cambria Math" panose="02040503050406030204" pitchFamily="18" charset="0"/>
+                    </a:rPr>
+                    <a:t>…                        …</a:t>
+                  </a:r>
+                </a:p>
+                <a:p>
+                  <a:r>
+                    <a:rPr lang="fr-FR" sz="1050" dirty="0" smtClean="0">
+                      <a:latin typeface="Cambria Math" panose="02040503050406030204" pitchFamily="18" charset="0"/>
+                      <a:ea typeface="Cambria Math" panose="02040503050406030204" pitchFamily="18" charset="0"/>
+                    </a:rPr>
+                    <a:t>…                        …</a:t>
+                  </a:r>
+                  <a:endParaRPr lang="fr-FR" sz="1050" dirty="0">
+                    <a:latin typeface="Cambria Math" panose="02040503050406030204" pitchFamily="18" charset="0"/>
+                    <a:ea typeface="Cambria Math" panose="02040503050406030204" pitchFamily="18" charset="0"/>
+                  </a:endParaRPr>
+                </a:p>
+                <a:p>
+                  <a:r>
+                    <a:rPr lang="fr-FR" sz="1050" dirty="0" err="1" smtClean="0">
+                      <a:latin typeface="Cambria Math" panose="02040503050406030204" pitchFamily="18" charset="0"/>
+                      <a:ea typeface="Cambria Math" panose="02040503050406030204" pitchFamily="18" charset="0"/>
+                    </a:rPr>
+                    <a:t>Trait</a:t>
+                  </a:r>
+                  <a:r>
+                    <a:rPr lang="fr-FR" sz="1050" baseline="30000" dirty="0" err="1" smtClean="0">
+                      <a:latin typeface="Cambria Math" panose="02040503050406030204" pitchFamily="18" charset="0"/>
+                      <a:ea typeface="Cambria Math" panose="02040503050406030204" pitchFamily="18" charset="0"/>
+                    </a:rPr>
+                    <a:t>a</a:t>
+                  </a:r>
+                  <a:r>
+                    <a:rPr lang="fr-FR" sz="1050" baseline="-25000" dirty="0" err="1" smtClean="0">
+                      <a:latin typeface="Cambria Math" panose="02040503050406030204" pitchFamily="18" charset="0"/>
+                      <a:ea typeface="Cambria Math" panose="02040503050406030204" pitchFamily="18" charset="0"/>
+                    </a:rPr>
+                    <a:t>S</a:t>
+                  </a:r>
+                  <a:r>
+                    <a:rPr lang="fr-FR" sz="1050" baseline="-25000" dirty="0" smtClean="0">
+                      <a:latin typeface="Cambria Math" panose="02040503050406030204" pitchFamily="18" charset="0"/>
+                      <a:ea typeface="Cambria Math" panose="02040503050406030204" pitchFamily="18" charset="0"/>
+                    </a:rPr>
+                    <a:t>                  </a:t>
+                  </a:r>
+                  <a:r>
+                    <a:rPr lang="fr-FR" sz="1050" dirty="0" smtClean="0">
+                      <a:latin typeface="Cambria Math" panose="02040503050406030204" pitchFamily="18" charset="0"/>
+                      <a:ea typeface="Cambria Math" panose="02040503050406030204" pitchFamily="18" charset="0"/>
+                    </a:rPr>
+                    <a:t> </a:t>
+                  </a:r>
+                  <a:r>
+                    <a:rPr lang="fr-FR" sz="1050" dirty="0" err="1" smtClean="0">
+                      <a:latin typeface="Cambria Math" panose="02040503050406030204" pitchFamily="18" charset="0"/>
+                      <a:ea typeface="Cambria Math" panose="02040503050406030204" pitchFamily="18" charset="0"/>
+                    </a:rPr>
+                    <a:t>Trait</a:t>
+                  </a:r>
+                  <a:r>
+                    <a:rPr lang="fr-FR" sz="1050" baseline="30000" dirty="0" err="1" smtClean="0">
+                      <a:latin typeface="Cambria Math" panose="02040503050406030204" pitchFamily="18" charset="0"/>
+                      <a:ea typeface="Cambria Math" panose="02040503050406030204" pitchFamily="18" charset="0"/>
+                    </a:rPr>
+                    <a:t>x</a:t>
+                  </a:r>
+                  <a:r>
+                    <a:rPr lang="fr-FR" sz="1050" baseline="-25000" dirty="0" err="1" smtClean="0">
+                      <a:latin typeface="Cambria Math" panose="02040503050406030204" pitchFamily="18" charset="0"/>
+                      <a:ea typeface="Cambria Math" panose="02040503050406030204" pitchFamily="18" charset="0"/>
+                    </a:rPr>
+                    <a:t>S</a:t>
+                  </a:r>
+                  <a:endParaRPr lang="fr-FR" sz="1050" dirty="0">
+                    <a:latin typeface="Cambria Math" panose="02040503050406030204" pitchFamily="18" charset="0"/>
+                    <a:ea typeface="Cambria Math" panose="02040503050406030204" pitchFamily="18" charset="0"/>
+                  </a:endParaRPr>
+                </a:p>
+              </p:txBody>
+            </p:sp>
+          </p:grpSp>
+          <p:grpSp>
+            <p:nvGrpSpPr>
+              <p:cNvPr id="21" name="Groupe 20"/>
+              <p:cNvGrpSpPr/>
+              <p:nvPr/>
+            </p:nvGrpSpPr>
+            <p:grpSpPr>
+              <a:xfrm>
+                <a:off x="1594322" y="763081"/>
+                <a:ext cx="294011" cy="954774"/>
+                <a:chOff x="1594322" y="763081"/>
+                <a:chExt cx="294011" cy="954774"/>
+              </a:xfrm>
+            </p:grpSpPr>
+            <p:cxnSp>
+              <p:nvCxnSpPr>
+                <p:cNvPr id="18" name="Connecteur droit avec flèche 17"/>
+                <p:cNvCxnSpPr/>
+                <p:nvPr/>
+              </p:nvCxnSpPr>
+              <p:spPr>
+                <a:xfrm>
+                  <a:off x="1888333" y="763081"/>
+                  <a:ext cx="0" cy="954774"/>
+                </a:xfrm>
+                <a:prstGeom prst="straightConnector1">
+                  <a:avLst/>
+                </a:prstGeom>
+                <a:ln w="12700">
+                  <a:solidFill>
+                    <a:schemeClr val="tx1"/>
+                  </a:solidFill>
+                  <a:headEnd type="triangle" w="med" len="med"/>
+                  <a:tailEnd type="triangle" w="med" len="med"/>
+                </a:ln>
+              </p:spPr>
+              <p:style>
+                <a:lnRef idx="1">
+                  <a:schemeClr val="accent1"/>
+                </a:lnRef>
+                <a:fillRef idx="0">
+                  <a:schemeClr val="accent1"/>
+                </a:fillRef>
+                <a:effectRef idx="0">
+                  <a:schemeClr val="accent1"/>
+                </a:effectRef>
+                <a:fontRef idx="minor">
+                  <a:schemeClr val="tx1"/>
+                </a:fontRef>
+              </p:style>
+            </p:cxnSp>
+            <p:sp>
+              <p:nvSpPr>
+                <p:cNvPr id="19" name="ZoneTexte 18"/>
+                <p:cNvSpPr txBox="1"/>
+                <p:nvPr/>
+              </p:nvSpPr>
+              <p:spPr>
+                <a:xfrm rot="16200000">
+                  <a:off x="1379199" y="1128566"/>
+                  <a:ext cx="707245" cy="276999"/>
+                </a:xfrm>
+                <a:prstGeom prst="rect">
+                  <a:avLst/>
+                </a:prstGeom>
+                <a:noFill/>
+              </p:spPr>
+              <p:txBody>
+                <a:bodyPr wrap="none" rtlCol="0">
+                  <a:spAutoFit/>
+                </a:bodyPr>
+                <a:lstStyle/>
+                <a:p>
+                  <a:r>
+                    <a:rPr lang="fr-FR" sz="1200" dirty="0">
+                      <a:latin typeface="Cambria" panose="02040503050406030204" pitchFamily="18" charset="0"/>
+                    </a:rPr>
+                    <a:t>E</a:t>
+                  </a:r>
+                  <a:r>
+                    <a:rPr lang="fr-FR" sz="1200" dirty="0" smtClean="0">
+                      <a:latin typeface="Cambria" panose="02040503050406030204" pitchFamily="18" charset="0"/>
+                    </a:rPr>
+                    <a:t>spèces</a:t>
+                  </a:r>
+                  <a:endParaRPr lang="fr-FR" sz="1200" dirty="0">
+                    <a:latin typeface="Cambria" panose="02040503050406030204" pitchFamily="18" charset="0"/>
+                  </a:endParaRPr>
+                </a:p>
+              </p:txBody>
+            </p:sp>
+          </p:grpSp>
+          <p:grpSp>
+            <p:nvGrpSpPr>
+              <p:cNvPr id="22" name="Groupe 21"/>
+              <p:cNvGrpSpPr/>
+              <p:nvPr/>
+            </p:nvGrpSpPr>
+            <p:grpSpPr>
+              <a:xfrm rot="5400000">
+                <a:off x="2566697" y="-22057"/>
+                <a:ext cx="286908" cy="990154"/>
+                <a:chOff x="1532847" y="911700"/>
+                <a:chExt cx="286908" cy="990154"/>
+              </a:xfrm>
+            </p:grpSpPr>
+            <p:cxnSp>
+              <p:nvCxnSpPr>
+                <p:cNvPr id="23" name="Connecteur droit avec flèche 22"/>
+                <p:cNvCxnSpPr/>
+                <p:nvPr/>
+              </p:nvCxnSpPr>
+              <p:spPr>
+                <a:xfrm rot="16200000" flipH="1" flipV="1">
+                  <a:off x="1324678" y="1406777"/>
+                  <a:ext cx="990154" cy="0"/>
+                </a:xfrm>
+                <a:prstGeom prst="straightConnector1">
+                  <a:avLst/>
+                </a:prstGeom>
+                <a:ln w="12700">
+                  <a:solidFill>
+                    <a:schemeClr val="tx1"/>
+                  </a:solidFill>
+                  <a:headEnd type="triangle" w="med" len="med"/>
+                  <a:tailEnd type="triangle" w="med" len="med"/>
+                </a:ln>
+              </p:spPr>
+              <p:style>
+                <a:lnRef idx="1">
+                  <a:schemeClr val="accent1"/>
+                </a:lnRef>
+                <a:fillRef idx="0">
+                  <a:schemeClr val="accent1"/>
+                </a:fillRef>
+                <a:effectRef idx="0">
+                  <a:schemeClr val="accent1"/>
+                </a:effectRef>
+                <a:fontRef idx="minor">
+                  <a:schemeClr val="tx1"/>
+                </a:fontRef>
+              </p:style>
+            </p:cxnSp>
+            <p:sp>
+              <p:nvSpPr>
+                <p:cNvPr id="24" name="ZoneTexte 23"/>
+                <p:cNvSpPr txBox="1"/>
+                <p:nvPr/>
+              </p:nvSpPr>
+              <p:spPr>
+                <a:xfrm rot="16200000">
+                  <a:off x="1387391" y="1283878"/>
+                  <a:ext cx="567912" cy="276999"/>
+                </a:xfrm>
+                <a:prstGeom prst="rect">
+                  <a:avLst/>
+                </a:prstGeom>
+                <a:noFill/>
+              </p:spPr>
+              <p:txBody>
+                <a:bodyPr wrap="none" rtlCol="0">
+                  <a:spAutoFit/>
+                </a:bodyPr>
+                <a:lstStyle/>
+                <a:p>
+                  <a:r>
+                    <a:rPr lang="fr-FR" sz="1200" dirty="0" smtClean="0">
+                      <a:latin typeface="Cambria" panose="02040503050406030204" pitchFamily="18" charset="0"/>
+                    </a:rPr>
+                    <a:t>Traits</a:t>
+                  </a:r>
+                  <a:endParaRPr lang="fr-FR" sz="1200" dirty="0">
+                    <a:latin typeface="Cambria" panose="02040503050406030204" pitchFamily="18" charset="0"/>
+                  </a:endParaRPr>
+                </a:p>
+              </p:txBody>
+            </p:sp>
+          </p:grpSp>
+        </p:grpSp>
+        <p:sp>
+          <p:nvSpPr>
+            <p:cNvPr id="27" name="ZoneTexte 26"/>
+            <p:cNvSpPr txBox="1"/>
+            <p:nvPr/>
+          </p:nvSpPr>
+          <p:spPr>
+            <a:xfrm>
+              <a:off x="167043" y="248835"/>
+              <a:ext cx="1749197" cy="261610"/>
+            </a:xfrm>
+            <a:prstGeom prst="rect">
+              <a:avLst/>
+            </a:prstGeom>
+            <a:noFill/>
+          </p:spPr>
+          <p:txBody>
+            <a:bodyPr wrap="none" rtlCol="0">
+              <a:spAutoFit/>
+            </a:bodyPr>
+            <a:lstStyle/>
+            <a:p>
+              <a:r>
+                <a:rPr lang="fr-FR" sz="1100" b="1" dirty="0" smtClean="0">
+                  <a:latin typeface="Cambria" panose="02040503050406030204" pitchFamily="18" charset="0"/>
+                </a:rPr>
+                <a:t>Matrice Espèces x Traits</a:t>
+              </a:r>
+              <a:endParaRPr lang="fr-FR" sz="1100" b="1" dirty="0">
+                <a:latin typeface="Cambria" panose="02040503050406030204" pitchFamily="18" charset="0"/>
+              </a:endParaRPr>
+            </a:p>
+          </p:txBody>
+        </p:sp>
+        <p:sp>
+          <p:nvSpPr>
+            <p:cNvPr id="30" name="ZoneTexte 29"/>
+            <p:cNvSpPr txBox="1"/>
+            <p:nvPr/>
+          </p:nvSpPr>
+          <p:spPr>
+            <a:xfrm>
+              <a:off x="1773194" y="982345"/>
+              <a:ext cx="1884403" cy="369332"/>
+            </a:xfrm>
+            <a:prstGeom prst="rect">
+              <a:avLst/>
+            </a:prstGeom>
+            <a:noFill/>
+          </p:spPr>
+          <p:txBody>
+            <a:bodyPr wrap="square" rtlCol="0">
+              <a:spAutoFit/>
+            </a:bodyPr>
+            <a:lstStyle/>
+            <a:p>
+              <a:r>
+                <a:rPr lang="fr-FR" dirty="0" smtClean="0">
+                  <a:solidFill>
+                    <a:schemeClr val="accent1"/>
+                  </a:solidFill>
+                  <a:latin typeface="Cambria" panose="02040503050406030204" pitchFamily="18" charset="0"/>
+                </a:rPr>
+                <a:t>ACP</a:t>
+              </a:r>
+              <a:endParaRPr lang="en-US" sz="1600" dirty="0">
+                <a:solidFill>
+                  <a:schemeClr val="accent1"/>
+                </a:solidFill>
+                <a:latin typeface="Cambria" panose="02040503050406030204" pitchFamily="18" charset="0"/>
+              </a:endParaRPr>
+            </a:p>
+          </p:txBody>
+        </p:sp>
+        <p:pic>
+          <p:nvPicPr>
+            <p:cNvPr id="35" name="Image 34"/>
+            <p:cNvPicPr>
+              <a:picLocks noChangeAspect="1"/>
+            </p:cNvPicPr>
+            <p:nvPr/>
+          </p:nvPicPr>
+          <p:blipFill rotWithShape="1">
+            <a:blip r:embed="rId3">
+              <a:clrChange>
+                <a:clrFrom>
+                  <a:srgbClr val="FFFFFF"/>
+                </a:clrFrom>
+                <a:clrTo>
+                  <a:srgbClr val="FFFFFF">
+                    <a:alpha val="0"/>
+                  </a:srgbClr>
+                </a:clrTo>
+              </a:clrChange>
+            </a:blip>
+            <a:srcRect t="7121"/>
+            <a:stretch/>
+          </p:blipFill>
+          <p:spPr>
+            <a:xfrm>
+              <a:off x="2200951" y="623760"/>
+              <a:ext cx="1821957" cy="1692215"/>
+            </a:xfrm>
+            <a:prstGeom prst="rect">
+              <a:avLst/>
+            </a:prstGeom>
+          </p:spPr>
+        </p:pic>
+        <p:sp>
+          <p:nvSpPr>
+            <p:cNvPr id="36" name="ZoneTexte 35"/>
+            <p:cNvSpPr txBox="1"/>
+            <p:nvPr/>
+          </p:nvSpPr>
+          <p:spPr>
+            <a:xfrm>
+              <a:off x="2268789" y="75495"/>
+              <a:ext cx="1970632" cy="430887"/>
+            </a:xfrm>
+            <a:prstGeom prst="rect">
+              <a:avLst/>
+            </a:prstGeom>
+            <a:noFill/>
+          </p:spPr>
+          <p:txBody>
+            <a:bodyPr wrap="square" rtlCol="0">
+              <a:spAutoFit/>
+            </a:bodyPr>
+            <a:lstStyle/>
+            <a:p>
+              <a:pPr algn="ctr"/>
+              <a:r>
+                <a:rPr lang="fr-FR" sz="1100" b="1" dirty="0" smtClean="0">
+                  <a:latin typeface="Cambria" panose="02040503050406030204" pitchFamily="18" charset="0"/>
+                </a:rPr>
+                <a:t>Individus dans l’espace fonctionnel</a:t>
+              </a:r>
+              <a:endParaRPr lang="fr-FR" sz="1100" b="1" dirty="0">
+                <a:latin typeface="Cambria" panose="02040503050406030204" pitchFamily="18" charset="0"/>
+              </a:endParaRPr>
+            </a:p>
+          </p:txBody>
+        </p:sp>
+        <p:pic>
+          <p:nvPicPr>
+            <p:cNvPr id="46" name="Image 45"/>
+            <p:cNvPicPr>
+              <a:picLocks noChangeAspect="1"/>
+            </p:cNvPicPr>
+            <p:nvPr/>
+          </p:nvPicPr>
+          <p:blipFill rotWithShape="1">
+            <a:blip r:embed="rId4"/>
+            <a:srcRect l="10748" t="21481" r="6988" b="16728"/>
+            <a:stretch/>
+          </p:blipFill>
+          <p:spPr>
+            <a:xfrm>
+              <a:off x="6863316" y="498127"/>
+              <a:ext cx="1203996" cy="1037156"/>
+            </a:xfrm>
+            <a:prstGeom prst="rect">
+              <a:avLst/>
+            </a:prstGeom>
+          </p:spPr>
+        </p:pic>
+        <p:pic>
+          <p:nvPicPr>
+            <p:cNvPr id="47" name="Image 46"/>
+            <p:cNvPicPr>
+              <a:picLocks noChangeAspect="1"/>
+            </p:cNvPicPr>
+            <p:nvPr/>
+          </p:nvPicPr>
+          <p:blipFill rotWithShape="1">
+            <a:blip r:embed="rId5"/>
+            <a:srcRect l="10355" t="12959" r="12124" b="1123"/>
+            <a:stretch/>
+          </p:blipFill>
+          <p:spPr>
+            <a:xfrm>
+              <a:off x="4738282" y="325230"/>
+              <a:ext cx="1447648" cy="1295612"/>
+            </a:xfrm>
+            <a:prstGeom prst="rect">
+              <a:avLst/>
+            </a:prstGeom>
+          </p:spPr>
+        </p:pic>
+        <p:sp>
+          <p:nvSpPr>
+            <p:cNvPr id="50" name="Flèche droite 49"/>
+            <p:cNvSpPr/>
+            <p:nvPr/>
+          </p:nvSpPr>
+          <p:spPr>
+            <a:xfrm>
+              <a:off x="1822208" y="1299717"/>
+              <a:ext cx="636266" cy="224940"/>
+            </a:xfrm>
+            <a:prstGeom prst="rightArrow">
+              <a:avLst/>
+            </a:prstGeom>
+            <a:solidFill>
+              <a:schemeClr val="accent1"/>
+            </a:solidFill>
+            <a:ln>
+              <a:noFill/>
+            </a:ln>
+          </p:spPr>
+          <p:style>
+            <a:lnRef idx="2">
+              <a:schemeClr val="accent1">
+                <a:shade val="50000"/>
+              </a:schemeClr>
+            </a:lnRef>
+            <a:fillRef idx="1">
+              <a:schemeClr val="accent1"/>
+            </a:fillRef>
+            <a:effectRef idx="0">
+              <a:schemeClr val="accent1"/>
+            </a:effectRef>
+            <a:fontRef idx="minor">
+              <a:schemeClr val="lt1"/>
+            </a:fontRef>
+          </p:style>
+          <p:txBody>
+            <a:bodyPr rtlCol="0" anchor="ctr"/>
+            <a:lstStyle/>
+            <a:p>
+              <a:pPr algn="ctr"/>
+              <a:endParaRPr lang="fr-FR">
+                <a:solidFill>
+                  <a:schemeClr val="accent1"/>
+                </a:solidFill>
+              </a:endParaRPr>
+            </a:p>
+          </p:txBody>
+        </p:sp>
+        <p:sp>
+          <p:nvSpPr>
+            <p:cNvPr id="51" name="ZoneTexte 50"/>
+            <p:cNvSpPr txBox="1"/>
+            <p:nvPr/>
+          </p:nvSpPr>
+          <p:spPr>
+            <a:xfrm>
+              <a:off x="3961236" y="718065"/>
+              <a:ext cx="971542" cy="430887"/>
+            </a:xfrm>
+            <a:prstGeom prst="rect">
+              <a:avLst/>
+            </a:prstGeom>
+            <a:noFill/>
+          </p:spPr>
+          <p:txBody>
+            <a:bodyPr wrap="square" rtlCol="0">
+              <a:spAutoFit/>
+            </a:bodyPr>
+            <a:lstStyle/>
+            <a:p>
+              <a:r>
+                <a:rPr lang="fr-FR" sz="1100" dirty="0" smtClean="0">
+                  <a:solidFill>
+                    <a:schemeClr val="accent1"/>
+                  </a:solidFill>
+                  <a:latin typeface="Cambria" panose="02040503050406030204" pitchFamily="18" charset="0"/>
+                </a:rPr>
+                <a:t>Pour chaque espèce</a:t>
+              </a:r>
+              <a:endParaRPr lang="en-US" sz="1050" dirty="0">
+                <a:solidFill>
+                  <a:schemeClr val="accent1"/>
+                </a:solidFill>
+                <a:latin typeface="Cambria" panose="02040503050406030204" pitchFamily="18" charset="0"/>
+              </a:endParaRPr>
+            </a:p>
+          </p:txBody>
+        </p:sp>
+        <p:sp>
+          <p:nvSpPr>
+            <p:cNvPr id="52" name="Flèche droite 51"/>
+            <p:cNvSpPr/>
+            <p:nvPr/>
+          </p:nvSpPr>
+          <p:spPr>
+            <a:xfrm rot="19884914">
+              <a:off x="4035044" y="1263663"/>
+              <a:ext cx="572359" cy="112862"/>
+            </a:xfrm>
+            <a:prstGeom prst="rightArrow">
+              <a:avLst/>
+            </a:prstGeom>
+            <a:solidFill>
+              <a:schemeClr val="accent1"/>
+            </a:solidFill>
+            <a:ln>
+              <a:noFill/>
+            </a:ln>
+          </p:spPr>
+          <p:style>
+            <a:lnRef idx="2">
+              <a:schemeClr val="accent1">
+                <a:shade val="50000"/>
+              </a:schemeClr>
+            </a:lnRef>
+            <a:fillRef idx="1">
+              <a:schemeClr val="accent1"/>
+            </a:fillRef>
+            <a:effectRef idx="0">
+              <a:schemeClr val="accent1"/>
+            </a:effectRef>
+            <a:fontRef idx="minor">
+              <a:schemeClr val="lt1"/>
+            </a:fontRef>
+          </p:style>
+          <p:txBody>
+            <a:bodyPr rtlCol="0" anchor="ctr"/>
+            <a:lstStyle/>
+            <a:p>
+              <a:pPr algn="ctr"/>
+              <a:endParaRPr lang="fr-FR">
+                <a:solidFill>
+                  <a:schemeClr val="accent1"/>
+                </a:solidFill>
+              </a:endParaRPr>
+            </a:p>
+          </p:txBody>
+        </p:sp>
+        <p:sp>
+          <p:nvSpPr>
+            <p:cNvPr id="53" name="ZoneTexte 52"/>
+            <p:cNvSpPr txBox="1"/>
+            <p:nvPr/>
+          </p:nvSpPr>
+          <p:spPr>
+            <a:xfrm>
+              <a:off x="5107909" y="97014"/>
+              <a:ext cx="1394005" cy="253916"/>
+            </a:xfrm>
+            <a:prstGeom prst="rect">
+              <a:avLst/>
+            </a:prstGeom>
+            <a:noFill/>
+          </p:spPr>
+          <p:txBody>
+            <a:bodyPr wrap="square" rtlCol="0">
+              <a:spAutoFit/>
+            </a:bodyPr>
+            <a:lstStyle/>
+            <a:p>
+              <a:r>
+                <a:rPr lang="fr-FR" sz="1050" b="1" dirty="0" smtClean="0">
+                  <a:latin typeface="Cambria" panose="02040503050406030204" pitchFamily="18" charset="0"/>
+                </a:rPr>
+                <a:t>Espace fonctionnel</a:t>
+              </a:r>
+              <a:endParaRPr lang="fr-FR" sz="1050" b="1" dirty="0">
+                <a:latin typeface="Cambria" panose="02040503050406030204" pitchFamily="18" charset="0"/>
+              </a:endParaRPr>
+            </a:p>
+          </p:txBody>
+        </p:sp>
+        <p:sp>
+          <p:nvSpPr>
+            <p:cNvPr id="54" name="ZoneTexte 53"/>
+            <p:cNvSpPr txBox="1"/>
+            <p:nvPr/>
+          </p:nvSpPr>
+          <p:spPr>
+            <a:xfrm>
+              <a:off x="6715984" y="124648"/>
+              <a:ext cx="1604101" cy="584775"/>
+            </a:xfrm>
+            <a:prstGeom prst="rect">
+              <a:avLst/>
+            </a:prstGeom>
+            <a:noFill/>
+          </p:spPr>
+          <p:txBody>
+            <a:bodyPr wrap="square" rtlCol="0">
+              <a:spAutoFit/>
+            </a:bodyPr>
+            <a:lstStyle/>
+            <a:p>
+              <a:pPr algn="ctr"/>
+              <a:r>
+                <a:rPr lang="fr-FR" sz="1050" b="1" dirty="0" smtClean="0">
+                  <a:latin typeface="Cambria" panose="02040503050406030204" pitchFamily="18" charset="0"/>
+                </a:rPr>
+                <a:t>Densité de probabilité des traits (TDP)</a:t>
+              </a:r>
+              <a:endParaRPr lang="fr-FR" sz="1050" b="1" dirty="0" smtClean="0">
+                <a:latin typeface="Cambria" panose="02040503050406030204" pitchFamily="18" charset="0"/>
+              </a:endParaRPr>
+            </a:p>
+            <a:p>
+              <a:pPr algn="ctr"/>
+              <a:endParaRPr lang="fr-FR" sz="1100" dirty="0">
+                <a:latin typeface="Cambria" panose="02040503050406030204" pitchFamily="18" charset="0"/>
+              </a:endParaRPr>
+            </a:p>
+          </p:txBody>
+        </p:sp>
+        <p:sp>
+          <p:nvSpPr>
+            <p:cNvPr id="55" name="ZoneTexte 54"/>
+            <p:cNvSpPr txBox="1"/>
+            <p:nvPr/>
+          </p:nvSpPr>
+          <p:spPr>
+            <a:xfrm>
+              <a:off x="6068178" y="1467093"/>
+              <a:ext cx="928465" cy="861774"/>
+            </a:xfrm>
+            <a:prstGeom prst="rect">
+              <a:avLst/>
+            </a:prstGeom>
+            <a:noFill/>
+          </p:spPr>
+          <p:txBody>
+            <a:bodyPr wrap="square" rtlCol="0">
+              <a:spAutoFit/>
+            </a:bodyPr>
+            <a:lstStyle/>
+            <a:p>
+              <a:pPr algn="ctr"/>
+              <a:r>
+                <a:rPr lang="fr-FR" sz="1000" b="1" dirty="0" smtClean="0">
+                  <a:solidFill>
+                    <a:schemeClr val="accent1"/>
+                  </a:solidFill>
+                  <a:latin typeface="Cambria" panose="02040503050406030204" pitchFamily="18" charset="0"/>
+                </a:rPr>
+                <a:t>Estimation par noyau</a:t>
+              </a:r>
+              <a:endParaRPr lang="fr-FR" sz="1000" b="1" dirty="0" smtClean="0">
+                <a:solidFill>
+                  <a:schemeClr val="accent1"/>
+                </a:solidFill>
+                <a:latin typeface="Cambria" panose="02040503050406030204" pitchFamily="18" charset="0"/>
+              </a:endParaRPr>
+            </a:p>
+            <a:p>
+              <a:pPr algn="ctr"/>
+              <a:r>
+                <a:rPr lang="fr-FR" sz="1200" b="1" dirty="0" smtClean="0">
+                  <a:solidFill>
+                    <a:schemeClr val="accent1"/>
+                  </a:solidFill>
+                  <a:latin typeface="Cambria" panose="02040503050406030204" pitchFamily="18" charset="0"/>
+                </a:rPr>
+                <a:t>/</a:t>
+              </a:r>
+            </a:p>
+            <a:p>
+              <a:pPr algn="ctr"/>
+              <a:r>
+                <a:rPr lang="en-US" sz="900" b="1" dirty="0" smtClean="0">
+                  <a:solidFill>
+                    <a:schemeClr val="accent1"/>
+                  </a:solidFill>
+                  <a:latin typeface="Cambria" panose="02040503050406030204" pitchFamily="18" charset="0"/>
+                </a:rPr>
+                <a:t>Distribution </a:t>
+              </a:r>
+              <a:r>
+                <a:rPr lang="en-US" sz="900" b="1" dirty="0" err="1" smtClean="0">
+                  <a:solidFill>
+                    <a:schemeClr val="accent1"/>
+                  </a:solidFill>
+                  <a:latin typeface="Cambria" panose="02040503050406030204" pitchFamily="18" charset="0"/>
+                </a:rPr>
+                <a:t>Normale</a:t>
+              </a:r>
+              <a:r>
+                <a:rPr lang="en-US" sz="900" b="1" dirty="0" smtClean="0">
+                  <a:solidFill>
+                    <a:schemeClr val="accent1"/>
+                  </a:solidFill>
+                  <a:latin typeface="Cambria" panose="02040503050406030204" pitchFamily="18" charset="0"/>
+                </a:rPr>
+                <a:t>.</a:t>
+              </a:r>
+              <a:endParaRPr lang="en-US" sz="900" b="1" dirty="0">
+                <a:solidFill>
+                  <a:schemeClr val="accent1"/>
+                </a:solidFill>
+                <a:latin typeface="Cambria" panose="02040503050406030204" pitchFamily="18" charset="0"/>
+              </a:endParaRPr>
+            </a:p>
+          </p:txBody>
+        </p:sp>
+        <p:sp>
+          <p:nvSpPr>
+            <p:cNvPr id="56" name="Flèche droite 55"/>
+            <p:cNvSpPr/>
+            <p:nvPr/>
+          </p:nvSpPr>
+          <p:spPr>
+            <a:xfrm>
+              <a:off x="6274035" y="888882"/>
+              <a:ext cx="576330" cy="224940"/>
+            </a:xfrm>
+            <a:prstGeom prst="rightArrow">
+              <a:avLst/>
+            </a:prstGeom>
+            <a:solidFill>
+              <a:schemeClr val="accent1"/>
+            </a:solidFill>
+            <a:ln>
+              <a:noFill/>
+            </a:ln>
+          </p:spPr>
+          <p:style>
+            <a:lnRef idx="2">
+              <a:schemeClr val="accent1">
+                <a:shade val="50000"/>
+              </a:schemeClr>
+            </a:lnRef>
+            <a:fillRef idx="1">
+              <a:schemeClr val="accent1"/>
+            </a:fillRef>
+            <a:effectRef idx="0">
+              <a:schemeClr val="accent1"/>
+            </a:effectRef>
+            <a:fontRef idx="minor">
+              <a:schemeClr val="lt1"/>
+            </a:fontRef>
+          </p:style>
+          <p:txBody>
+            <a:bodyPr rtlCol="0" anchor="ctr"/>
+            <a:lstStyle/>
+            <a:p>
+              <a:pPr algn="ctr"/>
+              <a:endParaRPr lang="fr-FR">
+                <a:solidFill>
+                  <a:schemeClr val="accent1"/>
+                </a:solidFill>
+              </a:endParaRPr>
+            </a:p>
+          </p:txBody>
+        </p:sp>
+        <p:sp>
+          <p:nvSpPr>
+            <p:cNvPr id="60" name="Rectangle 59"/>
+            <p:cNvSpPr/>
+            <p:nvPr/>
+          </p:nvSpPr>
+          <p:spPr>
+            <a:xfrm>
+              <a:off x="5107909" y="1630386"/>
+              <a:ext cx="357790" cy="369332"/>
+            </a:xfrm>
+            <a:prstGeom prst="rect">
+              <a:avLst/>
+            </a:prstGeom>
+          </p:spPr>
+          <p:txBody>
+            <a:bodyPr wrap="none">
+              <a:spAutoFit/>
+            </a:bodyPr>
+            <a:lstStyle/>
+            <a:p>
+              <a:r>
+                <a:rPr lang="fr-FR" dirty="0">
+                  <a:latin typeface="Cambria Math" panose="02040503050406030204" pitchFamily="18" charset="0"/>
+                  <a:ea typeface="Cambria Math" panose="02040503050406030204" pitchFamily="18" charset="0"/>
+                </a:rPr>
+                <a:t>…</a:t>
+              </a:r>
+            </a:p>
+          </p:txBody>
+        </p:sp>
+        <p:pic>
+          <p:nvPicPr>
+            <p:cNvPr id="61" name="Image 60"/>
+            <p:cNvPicPr>
+              <a:picLocks noChangeAspect="1"/>
+            </p:cNvPicPr>
+            <p:nvPr/>
+          </p:nvPicPr>
+          <p:blipFill rotWithShape="1">
+            <a:blip r:embed="rId6"/>
+            <a:srcRect l="23628" t="9233" r="9115" b="14055"/>
+            <a:stretch/>
+          </p:blipFill>
+          <p:spPr>
+            <a:xfrm>
+              <a:off x="6890546" y="2433170"/>
+              <a:ext cx="1176766" cy="1213956"/>
+            </a:xfrm>
+            <a:prstGeom prst="rect">
+              <a:avLst/>
+            </a:prstGeom>
+          </p:spPr>
+        </p:pic>
+        <p:sp>
+          <p:nvSpPr>
+            <p:cNvPr id="62" name="Rectangle 61"/>
+            <p:cNvSpPr/>
+            <p:nvPr/>
+          </p:nvSpPr>
+          <p:spPr>
+            <a:xfrm>
+              <a:off x="7869477" y="1681208"/>
+              <a:ext cx="357790" cy="369332"/>
+            </a:xfrm>
+            <a:prstGeom prst="rect">
+              <a:avLst/>
+            </a:prstGeom>
+          </p:spPr>
+          <p:txBody>
+            <a:bodyPr wrap="none">
+              <a:spAutoFit/>
+            </a:bodyPr>
+            <a:lstStyle/>
+            <a:p>
+              <a:r>
+                <a:rPr lang="fr-FR" dirty="0">
+                  <a:latin typeface="Cambria Math" panose="02040503050406030204" pitchFamily="18" charset="0"/>
+                  <a:ea typeface="Cambria Math" panose="02040503050406030204" pitchFamily="18" charset="0"/>
+                </a:rPr>
+                <a:t>…</a:t>
+              </a:r>
+            </a:p>
+          </p:txBody>
+        </p:sp>
+        <p:pic>
+          <p:nvPicPr>
+            <p:cNvPr id="63" name="Image 62"/>
+            <p:cNvPicPr>
+              <a:picLocks noChangeAspect="1"/>
+            </p:cNvPicPr>
+            <p:nvPr/>
+          </p:nvPicPr>
+          <p:blipFill rotWithShape="1">
+            <a:blip r:embed="rId7">
+              <a:clrChange>
+                <a:clrFrom>
+                  <a:srgbClr val="FFFFFF"/>
+                </a:clrFrom>
+                <a:clrTo>
+                  <a:srgbClr val="FFFFFF">
+                    <a:alpha val="0"/>
+                  </a:srgbClr>
+                </a:clrTo>
+              </a:clrChange>
+            </a:blip>
+            <a:srcRect l="9381" t="15027"/>
+            <a:stretch/>
+          </p:blipFill>
+          <p:spPr>
+            <a:xfrm>
+              <a:off x="4751050" y="2204815"/>
+              <a:ext cx="1591577" cy="1407794"/>
+            </a:xfrm>
+            <a:prstGeom prst="rect">
+              <a:avLst/>
+            </a:prstGeom>
+          </p:spPr>
+        </p:pic>
+        <p:sp>
+          <p:nvSpPr>
+            <p:cNvPr id="64" name="Flèche droite 63"/>
+            <p:cNvSpPr/>
+            <p:nvPr/>
+          </p:nvSpPr>
+          <p:spPr>
+            <a:xfrm>
+              <a:off x="6277354" y="1826011"/>
+              <a:ext cx="573011" cy="224940"/>
+            </a:xfrm>
+            <a:prstGeom prst="rightArrow">
+              <a:avLst/>
+            </a:prstGeom>
+            <a:solidFill>
+              <a:srgbClr val="5B9BD5">
+                <a:alpha val="41961"/>
+              </a:srgbClr>
+            </a:solidFill>
+            <a:ln>
+              <a:noFill/>
+            </a:ln>
+          </p:spPr>
+          <p:style>
+            <a:lnRef idx="2">
+              <a:schemeClr val="accent1">
+                <a:shade val="50000"/>
+              </a:schemeClr>
+            </a:lnRef>
+            <a:fillRef idx="1">
+              <a:schemeClr val="accent1"/>
+            </a:fillRef>
+            <a:effectRef idx="0">
+              <a:schemeClr val="accent1"/>
+            </a:effectRef>
+            <a:fontRef idx="minor">
+              <a:schemeClr val="lt1"/>
+            </a:fontRef>
+          </p:style>
+          <p:txBody>
+            <a:bodyPr rtlCol="0" anchor="ctr"/>
+            <a:lstStyle/>
+            <a:p>
+              <a:pPr algn="ctr"/>
+              <a:endParaRPr lang="fr-FR">
+                <a:solidFill>
+                  <a:schemeClr val="accent1"/>
+                </a:solidFill>
+              </a:endParaRPr>
+            </a:p>
+          </p:txBody>
+        </p:sp>
+        <p:sp>
+          <p:nvSpPr>
+            <p:cNvPr id="65" name="Flèche droite 64"/>
+            <p:cNvSpPr/>
+            <p:nvPr/>
+          </p:nvSpPr>
+          <p:spPr>
+            <a:xfrm>
+              <a:off x="6274035" y="2707323"/>
+              <a:ext cx="576330" cy="224940"/>
+            </a:xfrm>
+            <a:prstGeom prst="rightArrow">
+              <a:avLst>
+                <a:gd name="adj1" fmla="val 43225"/>
+                <a:gd name="adj2" fmla="val 50000"/>
+              </a:avLst>
+            </a:prstGeom>
+            <a:solidFill>
+              <a:schemeClr val="accent1"/>
+            </a:solidFill>
+            <a:ln>
+              <a:noFill/>
+            </a:ln>
+          </p:spPr>
+          <p:style>
+            <a:lnRef idx="2">
+              <a:schemeClr val="accent1">
+                <a:shade val="50000"/>
+              </a:schemeClr>
+            </a:lnRef>
+            <a:fillRef idx="1">
+              <a:schemeClr val="accent1"/>
+            </a:fillRef>
+            <a:effectRef idx="0">
+              <a:schemeClr val="accent1"/>
+            </a:effectRef>
+            <a:fontRef idx="minor">
+              <a:schemeClr val="lt1"/>
+            </a:fontRef>
+          </p:style>
+          <p:txBody>
+            <a:bodyPr rtlCol="0" anchor="ctr"/>
+            <a:lstStyle/>
+            <a:p>
+              <a:pPr algn="ctr"/>
+              <a:endParaRPr lang="fr-FR">
+                <a:solidFill>
+                  <a:schemeClr val="accent1"/>
+                </a:solidFill>
+              </a:endParaRPr>
+            </a:p>
+          </p:txBody>
+        </p:sp>
+        <p:grpSp>
+          <p:nvGrpSpPr>
+            <p:cNvPr id="72" name="Groupe 71"/>
+            <p:cNvGrpSpPr/>
+            <p:nvPr/>
+          </p:nvGrpSpPr>
+          <p:grpSpPr>
+            <a:xfrm>
+              <a:off x="8078344" y="1236338"/>
+              <a:ext cx="1298561" cy="1341482"/>
+              <a:chOff x="1108315" y="3451141"/>
+              <a:chExt cx="1298561" cy="1341482"/>
+            </a:xfrm>
+          </p:grpSpPr>
+          <p:sp>
+            <p:nvSpPr>
+              <p:cNvPr id="16" name="ZoneTexte 15"/>
+              <p:cNvSpPr txBox="1"/>
+              <p:nvPr/>
+            </p:nvSpPr>
+            <p:spPr>
+              <a:xfrm>
+                <a:off x="1377421" y="4515624"/>
+                <a:ext cx="860877" cy="276999"/>
+              </a:xfrm>
+              <a:prstGeom prst="rect">
+                <a:avLst/>
+              </a:prstGeom>
+              <a:noFill/>
+            </p:spPr>
+            <p:txBody>
+              <a:bodyPr wrap="none" rtlCol="0">
+                <a:spAutoFit/>
+              </a:bodyPr>
+              <a:lstStyle/>
+              <a:p>
+                <a:pPr algn="ctr"/>
+                <a:r>
+                  <a:rPr lang="fr-FR" sz="1200" dirty="0" smtClean="0">
+                    <a:latin typeface="Cambria" panose="02040503050406030204" pitchFamily="18" charset="0"/>
+                  </a:rPr>
+                  <a:t>Inventaire</a:t>
+                </a:r>
+                <a:endParaRPr lang="fr-FR" sz="1200" dirty="0">
+                  <a:latin typeface="Cambria" panose="02040503050406030204" pitchFamily="18" charset="0"/>
+                </a:endParaRPr>
+              </a:p>
+            </p:txBody>
+          </p:sp>
+          <p:pic>
+            <p:nvPicPr>
+              <p:cNvPr id="71" name="Image 70"/>
+              <p:cNvPicPr>
+                <a:picLocks noChangeAspect="1"/>
+              </p:cNvPicPr>
+              <p:nvPr/>
+            </p:nvPicPr>
+            <p:blipFill rotWithShape="1">
+              <a:blip r:embed="rId8"/>
+              <a:srcRect l="-587" t="26635" r="587" b="28046"/>
+              <a:stretch/>
+            </p:blipFill>
+            <p:spPr>
+              <a:xfrm>
+                <a:off x="1108315" y="3451141"/>
+                <a:ext cx="1298561" cy="1196340"/>
+              </a:xfrm>
+              <a:prstGeom prst="rect">
+                <a:avLst/>
+              </a:prstGeom>
+            </p:spPr>
+          </p:pic>
+        </p:grpSp>
+        <p:grpSp>
+          <p:nvGrpSpPr>
+            <p:cNvPr id="83" name="Groupe 82"/>
+            <p:cNvGrpSpPr/>
+            <p:nvPr/>
+          </p:nvGrpSpPr>
+          <p:grpSpPr>
+            <a:xfrm>
+              <a:off x="8067315" y="1016705"/>
+              <a:ext cx="1058282" cy="465501"/>
+              <a:chOff x="8748506" y="1019655"/>
+              <a:chExt cx="1269280" cy="455483"/>
+            </a:xfrm>
+          </p:grpSpPr>
+          <p:cxnSp>
+            <p:nvCxnSpPr>
+              <p:cNvPr id="77" name="Connecteur droit 76"/>
+              <p:cNvCxnSpPr>
+                <a:stCxn id="46" idx="3"/>
+              </p:cNvCxnSpPr>
+              <p:nvPr/>
+            </p:nvCxnSpPr>
+            <p:spPr>
+              <a:xfrm>
+                <a:off x="8748506" y="1019655"/>
+                <a:ext cx="422041" cy="455483"/>
+              </a:xfrm>
+              <a:prstGeom prst="line">
+                <a:avLst/>
+              </a:prstGeom>
+              <a:ln w="19050">
+                <a:solidFill>
+                  <a:schemeClr val="bg1">
+                    <a:lumMod val="50000"/>
+                  </a:schemeClr>
+                </a:solidFill>
+              </a:ln>
+            </p:spPr>
+            <p:style>
+              <a:lnRef idx="1">
+                <a:schemeClr val="accent1"/>
+              </a:lnRef>
+              <a:fillRef idx="0">
+                <a:schemeClr val="accent1"/>
+              </a:fillRef>
+              <a:effectRef idx="0">
+                <a:schemeClr val="accent1"/>
+              </a:effectRef>
+              <a:fontRef idx="minor">
+                <a:schemeClr val="tx1"/>
+              </a:fontRef>
+            </p:style>
+          </p:cxnSp>
+          <p:cxnSp>
+            <p:nvCxnSpPr>
+              <p:cNvPr id="79" name="Connecteur droit 78"/>
+              <p:cNvCxnSpPr/>
+              <p:nvPr/>
+            </p:nvCxnSpPr>
+            <p:spPr>
+              <a:xfrm>
+                <a:off x="9183778" y="1452263"/>
+                <a:ext cx="834008" cy="0"/>
+              </a:xfrm>
+              <a:prstGeom prst="line">
+                <a:avLst/>
+              </a:prstGeom>
+              <a:ln w="19050">
+                <a:solidFill>
+                  <a:schemeClr val="bg1">
+                    <a:lumMod val="50000"/>
+                  </a:schemeClr>
+                </a:solidFill>
+                <a:headEnd type="none" w="med" len="med"/>
+                <a:tailEnd type="triangle" w="med" len="med"/>
+              </a:ln>
+            </p:spPr>
+            <p:style>
+              <a:lnRef idx="1">
+                <a:schemeClr val="accent1"/>
+              </a:lnRef>
+              <a:fillRef idx="0">
+                <a:schemeClr val="accent1"/>
+              </a:fillRef>
+              <a:effectRef idx="0">
+                <a:schemeClr val="accent1"/>
+              </a:effectRef>
+              <a:fontRef idx="minor">
+                <a:schemeClr val="tx1"/>
+              </a:fontRef>
+            </p:style>
+          </p:cxnSp>
+        </p:grpSp>
+        <p:grpSp>
+          <p:nvGrpSpPr>
+            <p:cNvPr id="84" name="Groupe 83"/>
+            <p:cNvGrpSpPr/>
+            <p:nvPr/>
+          </p:nvGrpSpPr>
+          <p:grpSpPr>
+            <a:xfrm>
+              <a:off x="8067314" y="2204815"/>
+              <a:ext cx="1035021" cy="835333"/>
+              <a:chOff x="8341760" y="1482664"/>
+              <a:chExt cx="1354747" cy="835333"/>
+            </a:xfrm>
+          </p:grpSpPr>
+          <p:cxnSp>
+            <p:nvCxnSpPr>
+              <p:cNvPr id="85" name="Connecteur droit 84"/>
+              <p:cNvCxnSpPr>
+                <a:stCxn id="61" idx="3"/>
+              </p:cNvCxnSpPr>
+              <p:nvPr/>
+            </p:nvCxnSpPr>
+            <p:spPr>
+              <a:xfrm flipV="1">
+                <a:off x="8341760" y="1482664"/>
+                <a:ext cx="409481" cy="835333"/>
+              </a:xfrm>
+              <a:prstGeom prst="line">
+                <a:avLst/>
+              </a:prstGeom>
+              <a:ln w="19050">
+                <a:solidFill>
+                  <a:schemeClr val="bg1">
+                    <a:lumMod val="50000"/>
+                  </a:schemeClr>
+                </a:solidFill>
+              </a:ln>
+            </p:spPr>
+            <p:style>
+              <a:lnRef idx="1">
+                <a:schemeClr val="accent1"/>
+              </a:lnRef>
+              <a:fillRef idx="0">
+                <a:schemeClr val="accent1"/>
+              </a:fillRef>
+              <a:effectRef idx="0">
+                <a:schemeClr val="accent1"/>
+              </a:effectRef>
+              <a:fontRef idx="minor">
+                <a:schemeClr val="tx1"/>
+              </a:fontRef>
+            </p:style>
+          </p:cxnSp>
+          <p:cxnSp>
+            <p:nvCxnSpPr>
+              <p:cNvPr id="86" name="Connecteur droit 85"/>
+              <p:cNvCxnSpPr/>
+              <p:nvPr/>
+            </p:nvCxnSpPr>
+            <p:spPr>
+              <a:xfrm>
+                <a:off x="8772733" y="1482664"/>
+                <a:ext cx="923774" cy="0"/>
+              </a:xfrm>
+              <a:prstGeom prst="line">
+                <a:avLst/>
+              </a:prstGeom>
+              <a:ln w="19050">
+                <a:solidFill>
+                  <a:schemeClr val="bg1">
+                    <a:lumMod val="50000"/>
+                  </a:schemeClr>
+                </a:solidFill>
+                <a:headEnd type="none" w="med" len="med"/>
+                <a:tailEnd type="triangle" w="med" len="med"/>
+              </a:ln>
+            </p:spPr>
+            <p:style>
+              <a:lnRef idx="1">
+                <a:schemeClr val="accent1"/>
+              </a:lnRef>
+              <a:fillRef idx="0">
+                <a:schemeClr val="accent1"/>
+              </a:fillRef>
+              <a:effectRef idx="0">
+                <a:schemeClr val="accent1"/>
+              </a:effectRef>
+              <a:fontRef idx="minor">
+                <a:schemeClr val="tx1"/>
+              </a:fontRef>
+            </p:style>
+          </p:cxnSp>
+        </p:grpSp>
+        <p:pic>
+          <p:nvPicPr>
+            <p:cNvPr id="91" name="Image 90"/>
+            <p:cNvPicPr>
+              <a:picLocks noChangeAspect="1"/>
+            </p:cNvPicPr>
+            <p:nvPr/>
+          </p:nvPicPr>
+          <p:blipFill rotWithShape="1">
+            <a:blip r:embed="rId9"/>
+            <a:srcRect l="13072" t="23874" r="9594" b="18431"/>
+            <a:stretch/>
+          </p:blipFill>
+          <p:spPr>
+            <a:xfrm>
+              <a:off x="9150008" y="1303128"/>
+              <a:ext cx="1617355" cy="1186433"/>
+            </a:xfrm>
+            <a:prstGeom prst="rect">
+              <a:avLst/>
+            </a:prstGeom>
+          </p:spPr>
+        </p:pic>
+        <p:sp>
+          <p:nvSpPr>
+            <p:cNvPr id="92" name="ZoneTexte 91"/>
+            <p:cNvSpPr txBox="1"/>
+            <p:nvPr/>
+          </p:nvSpPr>
+          <p:spPr>
+            <a:xfrm>
+              <a:off x="8205624" y="676950"/>
+              <a:ext cx="1239040" cy="400110"/>
+            </a:xfrm>
+            <a:prstGeom prst="rect">
+              <a:avLst/>
+            </a:prstGeom>
+            <a:noFill/>
+          </p:spPr>
+          <p:txBody>
+            <a:bodyPr wrap="square" rtlCol="0">
+              <a:spAutoFit/>
+            </a:bodyPr>
+            <a:lstStyle/>
+            <a:p>
+              <a:r>
+                <a:rPr lang="fr-FR" sz="1000" dirty="0" smtClean="0">
+                  <a:solidFill>
+                    <a:schemeClr val="accent1"/>
+                  </a:solidFill>
+                  <a:latin typeface="Cambria" panose="02040503050406030204" pitchFamily="18" charset="0"/>
+                </a:rPr>
+                <a:t>Somme pondérée par les abondances</a:t>
+              </a:r>
+              <a:endParaRPr lang="en-US" sz="900" dirty="0">
+                <a:solidFill>
+                  <a:schemeClr val="accent1"/>
+                </a:solidFill>
+                <a:latin typeface="Cambria" panose="02040503050406030204" pitchFamily="18" charset="0"/>
+              </a:endParaRPr>
+            </a:p>
+          </p:txBody>
+        </p:sp>
+        <p:sp>
+          <p:nvSpPr>
+            <p:cNvPr id="93" name="Flèche droite 92"/>
+            <p:cNvSpPr/>
+            <p:nvPr/>
+          </p:nvSpPr>
+          <p:spPr>
+            <a:xfrm>
+              <a:off x="8483399" y="1040222"/>
+              <a:ext cx="683491" cy="224940"/>
+            </a:xfrm>
+            <a:prstGeom prst="rightArrow">
+              <a:avLst/>
+            </a:prstGeom>
+            <a:solidFill>
+              <a:schemeClr val="accent1"/>
+            </a:solidFill>
+            <a:ln>
+              <a:noFill/>
+            </a:ln>
+          </p:spPr>
+          <p:style>
+            <a:lnRef idx="2">
+              <a:schemeClr val="accent1">
+                <a:shade val="50000"/>
+              </a:schemeClr>
+            </a:lnRef>
+            <a:fillRef idx="1">
+              <a:schemeClr val="accent1"/>
+            </a:fillRef>
+            <a:effectRef idx="0">
+              <a:schemeClr val="accent1"/>
+            </a:effectRef>
+            <a:fontRef idx="minor">
+              <a:schemeClr val="lt1"/>
+            </a:fontRef>
+          </p:style>
+          <p:txBody>
+            <a:bodyPr rtlCol="0" anchor="ctr"/>
+            <a:lstStyle/>
+            <a:p>
+              <a:pPr algn="ctr"/>
+              <a:endParaRPr lang="fr-FR">
+                <a:solidFill>
+                  <a:schemeClr val="accent1"/>
+                </a:solidFill>
+              </a:endParaRPr>
+            </a:p>
+          </p:txBody>
+        </p:sp>
+        <p:sp>
+          <p:nvSpPr>
+            <p:cNvPr id="95" name="ZoneTexte 94"/>
+            <p:cNvSpPr txBox="1"/>
+            <p:nvPr/>
+          </p:nvSpPr>
+          <p:spPr>
+            <a:xfrm>
+              <a:off x="8947175" y="1072478"/>
+              <a:ext cx="2186940" cy="423193"/>
+            </a:xfrm>
+            <a:prstGeom prst="rect">
+              <a:avLst/>
+            </a:prstGeom>
+            <a:noFill/>
+          </p:spPr>
+          <p:txBody>
+            <a:bodyPr wrap="square" rtlCol="0">
+              <a:spAutoFit/>
+            </a:bodyPr>
+            <a:lstStyle/>
+            <a:p>
+              <a:pPr algn="ctr"/>
+              <a:r>
+                <a:rPr lang="fr-FR" sz="1050" b="1" dirty="0" smtClean="0">
+                  <a:latin typeface="Cambria" panose="02040503050406030204" pitchFamily="18" charset="0"/>
+                </a:rPr>
+                <a:t>TDP pour l’inventaire</a:t>
+              </a:r>
+              <a:endParaRPr lang="fr-FR" sz="1050" b="1" dirty="0" smtClean="0">
+                <a:latin typeface="Cambria" panose="02040503050406030204" pitchFamily="18" charset="0"/>
+              </a:endParaRPr>
+            </a:p>
+            <a:p>
+              <a:pPr algn="ctr"/>
+              <a:endParaRPr lang="fr-FR" sz="1100" dirty="0">
+                <a:latin typeface="Cambria" panose="02040503050406030204" pitchFamily="18" charset="0"/>
+              </a:endParaRPr>
+            </a:p>
+          </p:txBody>
+        </p:sp>
+        <p:sp>
+          <p:nvSpPr>
+            <p:cNvPr id="101" name="ZoneTexte 100"/>
+            <p:cNvSpPr txBox="1"/>
+            <p:nvPr/>
+          </p:nvSpPr>
+          <p:spPr>
+            <a:xfrm>
+              <a:off x="10756963" y="1212863"/>
+              <a:ext cx="840927" cy="400110"/>
+            </a:xfrm>
+            <a:prstGeom prst="rect">
+              <a:avLst/>
+            </a:prstGeom>
+            <a:noFill/>
+          </p:spPr>
+          <p:txBody>
+            <a:bodyPr wrap="square" rtlCol="0">
+              <a:spAutoFit/>
+            </a:bodyPr>
+            <a:lstStyle/>
+            <a:p>
+              <a:r>
+                <a:rPr lang="fr-FR" sz="1000" dirty="0" smtClean="0">
+                  <a:solidFill>
+                    <a:schemeClr val="accent1"/>
+                  </a:solidFill>
+                  <a:latin typeface="Cambria" panose="02040503050406030204" pitchFamily="18" charset="0"/>
+                </a:rPr>
+                <a:t>Somme sur l’espace</a:t>
+              </a:r>
+              <a:endParaRPr lang="en-US" sz="900" dirty="0">
+                <a:solidFill>
+                  <a:schemeClr val="accent1"/>
+                </a:solidFill>
+                <a:latin typeface="Cambria" panose="02040503050406030204" pitchFamily="18" charset="0"/>
+              </a:endParaRPr>
+            </a:p>
+          </p:txBody>
+        </p:sp>
+        <p:sp>
+          <p:nvSpPr>
+            <p:cNvPr id="102" name="Flèche droite 101"/>
+            <p:cNvSpPr/>
+            <p:nvPr/>
+          </p:nvSpPr>
+          <p:spPr>
+            <a:xfrm>
+              <a:off x="10795287" y="1708500"/>
+              <a:ext cx="601772" cy="224940"/>
+            </a:xfrm>
+            <a:prstGeom prst="rightArrow">
+              <a:avLst/>
+            </a:prstGeom>
+            <a:solidFill>
+              <a:schemeClr val="accent1"/>
+            </a:solidFill>
+            <a:ln>
+              <a:noFill/>
+            </a:ln>
+          </p:spPr>
+          <p:style>
+            <a:lnRef idx="2">
+              <a:schemeClr val="accent1">
+                <a:shade val="50000"/>
+              </a:schemeClr>
+            </a:lnRef>
+            <a:fillRef idx="1">
+              <a:schemeClr val="accent1"/>
+            </a:fillRef>
+            <a:effectRef idx="0">
+              <a:schemeClr val="accent1"/>
+            </a:effectRef>
+            <a:fontRef idx="minor">
+              <a:schemeClr val="lt1"/>
+            </a:fontRef>
+          </p:style>
+          <p:txBody>
+            <a:bodyPr rtlCol="0" anchor="ctr"/>
+            <a:lstStyle/>
+            <a:p>
+              <a:pPr algn="ctr"/>
+              <a:endParaRPr lang="fr-FR">
+                <a:solidFill>
+                  <a:schemeClr val="accent1"/>
+                </a:solidFill>
+              </a:endParaRPr>
+            </a:p>
+          </p:txBody>
+        </p:sp>
+        <mc:AlternateContent xmlns:mc="http://schemas.openxmlformats.org/markup-compatibility/2006" xmlns:a14="http://schemas.microsoft.com/office/drawing/2010/main">
+          <mc:Choice Requires="a14">
+            <p:sp>
+              <p:nvSpPr>
+                <p:cNvPr id="108" name="ZoneTexte 107"/>
+                <p:cNvSpPr txBox="1"/>
+                <p:nvPr/>
+              </p:nvSpPr>
+              <p:spPr>
+                <a:xfrm>
+                  <a:off x="10790368" y="1923370"/>
+                  <a:ext cx="517673" cy="429348"/>
+                </a:xfrm>
+                <a:prstGeom prst="rect">
+                  <a:avLst/>
+                </a:prstGeom>
+                <a:noFill/>
+              </p:spPr>
+              <p:txBody>
+                <a:bodyPr wrap="square" lIns="0" tIns="0" rIns="0" bIns="0" rtlCol="0">
+                  <a:spAutoFit/>
+                </a:bodyPr>
+                <a:lstStyle/>
+                <a:p>
+                  <a:pPr/>
+                  <a14:m>
+                    <m:oMathPara xmlns:m="http://schemas.openxmlformats.org/officeDocument/2006/math">
+                      <m:oMathParaPr>
+                        <m:jc m:val="centerGroup"/>
+                      </m:oMathParaPr>
+                      <m:oMath xmlns:m="http://schemas.openxmlformats.org/officeDocument/2006/math">
+                        <m:nary>
+                          <m:naryPr>
+                            <m:chr m:val="∑"/>
+                            <m:supHide m:val="on"/>
+                            <m:ctrlPr>
+                              <a:rPr lang="fr-FR" sz="1100" i="1" smtClean="0">
+                                <a:solidFill>
+                                  <a:schemeClr val="accent1"/>
+                                </a:solidFill>
+                                <a:latin typeface="Cambria Math" panose="02040503050406030204" pitchFamily="18" charset="0"/>
+                              </a:rPr>
+                            </m:ctrlPr>
+                          </m:naryPr>
+                          <m:sub>
+                            <m:r>
+                              <m:rPr>
+                                <m:brk m:alnAt="7"/>
+                              </m:rPr>
+                              <a:rPr lang="fr-FR" sz="1100" b="0" i="1" smtClean="0">
+                                <a:solidFill>
+                                  <a:schemeClr val="accent1"/>
+                                </a:solidFill>
+                                <a:latin typeface="Cambria Math" panose="02040503050406030204" pitchFamily="18" charset="0"/>
+                              </a:rPr>
+                              <m:t>𝑝</m:t>
+                            </m:r>
+                            <m:r>
+                              <a:rPr lang="fr-FR" sz="1100" b="0" i="1" smtClean="0">
+                                <a:solidFill>
+                                  <a:schemeClr val="accent1"/>
+                                </a:solidFill>
+                                <a:latin typeface="Cambria Math" panose="02040503050406030204" pitchFamily="18" charset="0"/>
+                              </a:rPr>
+                              <m:t>𝑖𝑥𝑒𝑙𝑠</m:t>
+                            </m:r>
+                          </m:sub>
+                          <m:sup/>
+                          <m:e>
+                            <m:sSub>
+                              <m:sSubPr>
+                                <m:ctrlPr>
+                                  <a:rPr lang="fr-FR" sz="1100" i="1" smtClean="0">
+                                    <a:solidFill>
+                                      <a:schemeClr val="accent1"/>
+                                    </a:solidFill>
+                                    <a:latin typeface="Cambria Math" panose="02040503050406030204" pitchFamily="18" charset="0"/>
+                                  </a:rPr>
+                                </m:ctrlPr>
+                              </m:sSubPr>
+                              <m:e>
+                                <m:r>
+                                  <a:rPr lang="fr-FR" sz="1100" b="0" i="1" smtClean="0">
+                                    <a:solidFill>
+                                      <a:schemeClr val="accent1"/>
+                                    </a:solidFill>
+                                    <a:latin typeface="Cambria Math" panose="02040503050406030204" pitchFamily="18" charset="0"/>
+                                  </a:rPr>
+                                  <m:t>𝑇𝐷𝑃</m:t>
+                                </m:r>
+                              </m:e>
+                              <m:sub>
+                                <m:nary>
+                                  <m:naryPr>
+                                    <m:chr m:val="∑"/>
+                                    <m:subHide m:val="on"/>
+                                    <m:supHide m:val="on"/>
+                                    <m:ctrlPr>
+                                      <a:rPr lang="fr-FR" sz="1100" i="1" smtClean="0">
+                                        <a:solidFill>
+                                          <a:schemeClr val="accent1"/>
+                                        </a:solidFill>
+                                        <a:latin typeface="Cambria Math" panose="02040503050406030204" pitchFamily="18" charset="0"/>
+                                      </a:rPr>
+                                    </m:ctrlPr>
+                                  </m:naryPr>
+                                  <m:sub/>
+                                  <m:sup/>
+                                  <m:e>
+                                    <m:r>
+                                      <a:rPr lang="fr-FR" sz="1100" b="0" i="1" smtClean="0">
+                                        <a:solidFill>
+                                          <a:schemeClr val="accent1"/>
+                                        </a:solidFill>
+                                        <a:latin typeface="Cambria Math" panose="02040503050406030204" pitchFamily="18" charset="0"/>
+                                      </a:rPr>
+                                      <m:t>𝑆</m:t>
+                                    </m:r>
+                                  </m:e>
+                                </m:nary>
+                              </m:sub>
+                            </m:sSub>
+                          </m:e>
+                        </m:nary>
+                      </m:oMath>
+                    </m:oMathPara>
+                  </a14:m>
+                  <a:endParaRPr lang="fr-FR" sz="1400" dirty="0">
+                    <a:solidFill>
+                      <a:schemeClr val="accent1"/>
+                    </a:solidFill>
+                  </a:endParaRPr>
+                </a:p>
+              </p:txBody>
+            </p:sp>
+          </mc:Choice>
+          <mc:Fallback xmlns="">
+            <p:sp>
+              <p:nvSpPr>
+                <p:cNvPr id="108" name="ZoneTexte 107"/>
+                <p:cNvSpPr txBox="1">
+                  <a:spLocks noRot="1" noChangeAspect="1" noMove="1" noResize="1" noEditPoints="1" noAdjustHandles="1" noChangeArrowheads="1" noChangeShapeType="1" noTextEdit="1"/>
+                </p:cNvSpPr>
+                <p:nvPr/>
+              </p:nvSpPr>
+              <p:spPr>
+                <a:xfrm>
+                  <a:off x="10790368" y="1923370"/>
+                  <a:ext cx="517673" cy="429348"/>
+                </a:xfrm>
+                <a:prstGeom prst="rect">
+                  <a:avLst/>
+                </a:prstGeom>
+                <a:blipFill>
+                  <a:blip r:embed="rId10"/>
+                  <a:stretch>
+                    <a:fillRect l="-91765" t="-147143" r="-116471" b="-194286"/>
+                  </a:stretch>
+                </a:blipFill>
+              </p:spPr>
+              <p:txBody>
+                <a:bodyPr/>
+                <a:lstStyle/>
+                <a:p>
+                  <a:r>
+                    <a:rPr lang="fr-FR">
+                      <a:noFill/>
+                    </a:rPr>
+                    <a:t> </a:t>
+                  </a:r>
+                </a:p>
+              </p:txBody>
+            </p:sp>
+          </mc:Fallback>
+        </mc:AlternateContent>
+        <mc:AlternateContent xmlns:mc="http://schemas.openxmlformats.org/markup-compatibility/2006" xmlns:a14="http://schemas.microsoft.com/office/drawing/2010/main">
+          <mc:Choice Requires="a14">
+            <p:sp>
+              <p:nvSpPr>
+                <p:cNvPr id="110" name="ZoneTexte 109"/>
+                <p:cNvSpPr txBox="1"/>
+                <p:nvPr/>
+              </p:nvSpPr>
+              <p:spPr>
+                <a:xfrm>
+                  <a:off x="11355714" y="1620842"/>
+                  <a:ext cx="755271" cy="374270"/>
+                </a:xfrm>
+                <a:prstGeom prst="rect">
+                  <a:avLst/>
+                </a:prstGeom>
+                <a:noFill/>
+              </p:spPr>
+              <p:txBody>
+                <a:bodyPr wrap="none" rtlCol="0">
+                  <a:spAutoFit/>
+                </a:bodyPr>
+                <a:lstStyle/>
+                <a:p>
+                  <a:pPr/>
+                  <a14:m>
+                    <m:oMathPara xmlns:m="http://schemas.openxmlformats.org/officeDocument/2006/math">
+                      <m:oMathParaPr>
+                        <m:jc m:val="centerGroup"/>
+                      </m:oMathParaPr>
+                      <m:oMath xmlns:m="http://schemas.openxmlformats.org/officeDocument/2006/math">
+                        <m:sSup>
+                          <m:sSupPr>
+                            <m:ctrlPr>
+                              <a:rPr lang="fr-FR" b="1" i="1" smtClean="0">
+                                <a:latin typeface="Cambria Math" panose="02040503050406030204" pitchFamily="18" charset="0"/>
+                              </a:rPr>
+                            </m:ctrlPr>
+                          </m:sSupPr>
+                          <m:e>
+                            <m:r>
+                              <a:rPr lang="fr-FR" b="1" i="1" smtClean="0">
+                                <a:latin typeface="Cambria Math" panose="02040503050406030204" pitchFamily="18" charset="0"/>
+                              </a:rPr>
+                              <m:t>𝑹𝒆𝒅</m:t>
+                            </m:r>
+                          </m:e>
+                          <m:sup>
+                            <m:r>
+                              <a:rPr lang="fr-FR" b="1" i="1" smtClean="0">
+                                <a:latin typeface="Cambria Math" panose="02040503050406030204" pitchFamily="18" charset="0"/>
+                              </a:rPr>
+                              <m:t>𝑰</m:t>
+                            </m:r>
+                          </m:sup>
+                        </m:sSup>
+                      </m:oMath>
+                    </m:oMathPara>
+                  </a14:m>
+                  <a:endParaRPr lang="fr-FR" sz="1100" b="1" dirty="0">
+                    <a:latin typeface="Cambria" panose="02040503050406030204" pitchFamily="18" charset="0"/>
+                  </a:endParaRPr>
+                </a:p>
+              </p:txBody>
+            </p:sp>
+          </mc:Choice>
+          <mc:Fallback xmlns="">
+            <p:sp>
+              <p:nvSpPr>
+                <p:cNvPr id="110" name="ZoneTexte 109"/>
+                <p:cNvSpPr txBox="1">
+                  <a:spLocks noRot="1" noChangeAspect="1" noMove="1" noResize="1" noEditPoints="1" noAdjustHandles="1" noChangeArrowheads="1" noChangeShapeType="1" noTextEdit="1"/>
+                </p:cNvSpPr>
+                <p:nvPr/>
+              </p:nvSpPr>
+              <p:spPr>
+                <a:xfrm>
+                  <a:off x="11355714" y="1620842"/>
+                  <a:ext cx="755271" cy="374270"/>
+                </a:xfrm>
+                <a:prstGeom prst="rect">
+                  <a:avLst/>
+                </a:prstGeom>
+                <a:blipFill>
+                  <a:blip r:embed="rId11"/>
+                  <a:stretch>
+                    <a:fillRect/>
+                  </a:stretch>
+                </a:blipFill>
+              </p:spPr>
+              <p:txBody>
+                <a:bodyPr/>
+                <a:lstStyle/>
+                <a:p>
+                  <a:r>
+                    <a:rPr lang="fr-FR">
+                      <a:noFill/>
+                    </a:rPr>
+                    <a:t> </a:t>
+                  </a:r>
+                </a:p>
+              </p:txBody>
+            </p:sp>
+          </mc:Fallback>
+        </mc:AlternateContent>
+        <p:sp>
+          <p:nvSpPr>
+            <p:cNvPr id="111" name="Flèche droite 110"/>
+            <p:cNvSpPr/>
+            <p:nvPr/>
+          </p:nvSpPr>
+          <p:spPr>
+            <a:xfrm>
+              <a:off x="4070582" y="1606070"/>
+              <a:ext cx="512754" cy="102430"/>
+            </a:xfrm>
+            <a:prstGeom prst="rightArrow">
+              <a:avLst/>
+            </a:prstGeom>
+            <a:solidFill>
+              <a:schemeClr val="accent1"/>
+            </a:solidFill>
+            <a:ln>
+              <a:noFill/>
+            </a:ln>
+          </p:spPr>
+          <p:style>
+            <a:lnRef idx="2">
+              <a:schemeClr val="accent1">
+                <a:shade val="50000"/>
+              </a:schemeClr>
+            </a:lnRef>
+            <a:fillRef idx="1">
+              <a:schemeClr val="accent1"/>
+            </a:fillRef>
+            <a:effectRef idx="0">
+              <a:schemeClr val="accent1"/>
+            </a:effectRef>
+            <a:fontRef idx="minor">
+              <a:schemeClr val="lt1"/>
+            </a:fontRef>
+          </p:style>
+          <p:txBody>
+            <a:bodyPr rtlCol="0" anchor="ctr"/>
+            <a:lstStyle/>
+            <a:p>
+              <a:pPr algn="ctr"/>
+              <a:endParaRPr lang="fr-FR">
+                <a:solidFill>
+                  <a:schemeClr val="accent1"/>
+                </a:solidFill>
+              </a:endParaRPr>
+            </a:p>
+          </p:txBody>
+        </p:sp>
+        <p:sp>
+          <p:nvSpPr>
+            <p:cNvPr id="112" name="Flèche droite 111"/>
+            <p:cNvSpPr/>
+            <p:nvPr/>
+          </p:nvSpPr>
+          <p:spPr>
+            <a:xfrm rot="1993422">
+              <a:off x="3990110" y="1944377"/>
+              <a:ext cx="572359" cy="112862"/>
+            </a:xfrm>
+            <a:prstGeom prst="rightArrow">
+              <a:avLst/>
+            </a:prstGeom>
+            <a:solidFill>
+              <a:schemeClr val="accent1"/>
+            </a:solidFill>
+            <a:ln>
+              <a:noFill/>
+            </a:ln>
+          </p:spPr>
+          <p:style>
+            <a:lnRef idx="2">
+              <a:schemeClr val="accent1">
+                <a:shade val="50000"/>
+              </a:schemeClr>
+            </a:lnRef>
+            <a:fillRef idx="1">
+              <a:schemeClr val="accent1"/>
+            </a:fillRef>
+            <a:effectRef idx="0">
+              <a:schemeClr val="accent1"/>
+            </a:effectRef>
+            <a:fontRef idx="minor">
+              <a:schemeClr val="lt1"/>
+            </a:fontRef>
+          </p:style>
+          <p:txBody>
+            <a:bodyPr rtlCol="0" anchor="ctr"/>
+            <a:lstStyle/>
+            <a:p>
+              <a:pPr algn="ctr"/>
+              <a:endParaRPr lang="fr-FR">
+                <a:solidFill>
+                  <a:schemeClr val="accent1"/>
+                </a:solidFill>
+              </a:endParaRPr>
+            </a:p>
+          </p:txBody>
+        </p:sp>
+      </p:grpSp>
+      <p:sp>
+        <p:nvSpPr>
+          <p:cNvPr id="120" name="ZoneTexte 119"/>
+          <p:cNvSpPr txBox="1"/>
+          <p:nvPr/>
+        </p:nvSpPr>
+        <p:spPr>
+          <a:xfrm>
+            <a:off x="17829" y="36021"/>
+            <a:ext cx="12174171" cy="769441"/>
+          </a:xfrm>
+          <a:prstGeom prst="rect">
+            <a:avLst/>
+          </a:prstGeom>
+          <a:noFill/>
+          <a:ln>
+            <a:solidFill>
+              <a:schemeClr val="bg1">
+                <a:lumMod val="65000"/>
+              </a:schemeClr>
+            </a:solidFill>
+          </a:ln>
+        </p:spPr>
+        <p:txBody>
+          <a:bodyPr wrap="square" rtlCol="0">
+            <a:spAutoFit/>
+          </a:bodyPr>
+          <a:lstStyle/>
+          <a:p>
+            <a:r>
+              <a:rPr lang="en-US" sz="1100" dirty="0"/>
+              <a:t>The functional redundancy </a:t>
+            </a:r>
+            <a:r>
+              <a:rPr lang="en-US" sz="1100" dirty="0" smtClean="0"/>
+              <a:t>is </a:t>
+            </a:r>
+            <a:r>
+              <a:rPr lang="en-US" sz="1100" dirty="0"/>
+              <a:t>measured as the overlap among species </a:t>
+            </a:r>
+            <a:r>
+              <a:rPr lang="en-US" sz="1100" dirty="0" smtClean="0"/>
+              <a:t>in communities</a:t>
+            </a:r>
+            <a:r>
+              <a:rPr lang="en-US" sz="1100" dirty="0"/>
+              <a:t>' functional space </a:t>
+            </a:r>
+            <a:r>
+              <a:rPr lang="en-US" sz="1100" dirty="0" smtClean="0"/>
+              <a:t>[Carmona et al., 2016]. First, the samples of </a:t>
+            </a:r>
+            <a:r>
+              <a:rPr lang="en-US" sz="1100" dirty="0"/>
+              <a:t>the trait database </a:t>
+            </a:r>
+            <a:r>
+              <a:rPr lang="en-US" sz="1100" dirty="0" smtClean="0"/>
+              <a:t>are mapped in a 2-dimensional plan with a PCA analysis. Then</a:t>
+            </a:r>
+            <a:r>
+              <a:rPr lang="en-US" sz="1100" dirty="0"/>
+              <a:t>, multivariate kernel density estimator associated with individual trees were </a:t>
+            </a:r>
+            <a:r>
+              <a:rPr lang="en-US" sz="1100" dirty="0" smtClean="0"/>
+              <a:t>give species traits probability distribution (TDP).</a:t>
+            </a:r>
+            <a:endParaRPr lang="en-US" sz="1100" dirty="0"/>
+          </a:p>
+          <a:p>
+            <a:r>
+              <a:rPr lang="en-US" sz="1100" dirty="0" smtClean="0"/>
+              <a:t>TDP, weighted by species abundance, are summed to give communities TDP: the functional redundancy is the </a:t>
+            </a:r>
+            <a:r>
+              <a:rPr lang="en-US" sz="1100" dirty="0"/>
+              <a:t>sum of </a:t>
+            </a:r>
+            <a:r>
+              <a:rPr lang="en-US" sz="1100" dirty="0" smtClean="0"/>
+              <a:t>TDP overlaps,  corresponding to </a:t>
+            </a:r>
+            <a:r>
+              <a:rPr lang="en-US" sz="1100" dirty="0"/>
+              <a:t>the average number of species that could be removed from </a:t>
+            </a:r>
+            <a:r>
+              <a:rPr lang="en-US" sz="1100" dirty="0" smtClean="0"/>
+              <a:t>without </a:t>
+            </a:r>
+            <a:r>
+              <a:rPr lang="en-US" sz="1100" dirty="0"/>
+              <a:t>reducing the functional space.</a:t>
+            </a:r>
+            <a:endParaRPr lang="fr-FR" sz="1100" dirty="0"/>
+          </a:p>
+        </p:txBody>
+      </p:sp>
+    </p:spTree>
+    <p:extLst>
+      <p:ext uri="{BB962C8B-B14F-4D97-AF65-F5344CB8AC3E}">
+        <p14:creationId xmlns:p14="http://schemas.microsoft.com/office/powerpoint/2010/main" val="3219516860"/>
       </p:ext>
     </p:extLst>
   </p:cSld>

--- a/ExternalFig/FunctionalRedundancy.pptx
+++ b/ExternalFig/FunctionalRedundancy.pptx
@@ -7,6 +7,7 @@
   <p:sldIdLst>
     <p:sldId id="256" r:id="rId2"/>
     <p:sldId id="257" r:id="rId3"/>
+    <p:sldId id="258" r:id="rId4"/>
   </p:sldIdLst>
   <p:sldSz cx="12192000" cy="6858000"/>
   <p:notesSz cx="6858000" cy="9144000"/>
@@ -244,7 +245,7 @@
           <a:p>
             <a:fld id="{D9697865-2158-46A4-A484-857B5D1D6248}" type="datetimeFigureOut">
               <a:rPr lang="fr-FR" smtClean="0"/>
-              <a:t>07/06/2018</a:t>
+              <a:t>01/08/2018</a:t>
             </a:fld>
             <a:endParaRPr lang="fr-FR"/>
           </a:p>
@@ -414,7 +415,7 @@
           <a:p>
             <a:fld id="{D9697865-2158-46A4-A484-857B5D1D6248}" type="datetimeFigureOut">
               <a:rPr lang="fr-FR" smtClean="0"/>
-              <a:t>07/06/2018</a:t>
+              <a:t>01/08/2018</a:t>
             </a:fld>
             <a:endParaRPr lang="fr-FR"/>
           </a:p>
@@ -594,7 +595,7 @@
           <a:p>
             <a:fld id="{D9697865-2158-46A4-A484-857B5D1D6248}" type="datetimeFigureOut">
               <a:rPr lang="fr-FR" smtClean="0"/>
-              <a:t>07/06/2018</a:t>
+              <a:t>01/08/2018</a:t>
             </a:fld>
             <a:endParaRPr lang="fr-FR"/>
           </a:p>
@@ -764,7 +765,7 @@
           <a:p>
             <a:fld id="{D9697865-2158-46A4-A484-857B5D1D6248}" type="datetimeFigureOut">
               <a:rPr lang="fr-FR" smtClean="0"/>
-              <a:t>07/06/2018</a:t>
+              <a:t>01/08/2018</a:t>
             </a:fld>
             <a:endParaRPr lang="fr-FR"/>
           </a:p>
@@ -1010,7 +1011,7 @@
           <a:p>
             <a:fld id="{D9697865-2158-46A4-A484-857B5D1D6248}" type="datetimeFigureOut">
               <a:rPr lang="fr-FR" smtClean="0"/>
-              <a:t>07/06/2018</a:t>
+              <a:t>01/08/2018</a:t>
             </a:fld>
             <a:endParaRPr lang="fr-FR"/>
           </a:p>
@@ -1242,7 +1243,7 @@
           <a:p>
             <a:fld id="{D9697865-2158-46A4-A484-857B5D1D6248}" type="datetimeFigureOut">
               <a:rPr lang="fr-FR" smtClean="0"/>
-              <a:t>07/06/2018</a:t>
+              <a:t>01/08/2018</a:t>
             </a:fld>
             <a:endParaRPr lang="fr-FR"/>
           </a:p>
@@ -1609,7 +1610,7 @@
           <a:p>
             <a:fld id="{D9697865-2158-46A4-A484-857B5D1D6248}" type="datetimeFigureOut">
               <a:rPr lang="fr-FR" smtClean="0"/>
-              <a:t>07/06/2018</a:t>
+              <a:t>01/08/2018</a:t>
             </a:fld>
             <a:endParaRPr lang="fr-FR"/>
           </a:p>
@@ -1727,7 +1728,7 @@
           <a:p>
             <a:fld id="{D9697865-2158-46A4-A484-857B5D1D6248}" type="datetimeFigureOut">
               <a:rPr lang="fr-FR" smtClean="0"/>
-              <a:t>07/06/2018</a:t>
+              <a:t>01/08/2018</a:t>
             </a:fld>
             <a:endParaRPr lang="fr-FR"/>
           </a:p>
@@ -1822,7 +1823,7 @@
           <a:p>
             <a:fld id="{D9697865-2158-46A4-A484-857B5D1D6248}" type="datetimeFigureOut">
               <a:rPr lang="fr-FR" smtClean="0"/>
-              <a:t>07/06/2018</a:t>
+              <a:t>01/08/2018</a:t>
             </a:fld>
             <a:endParaRPr lang="fr-FR"/>
           </a:p>
@@ -2099,7 +2100,7 @@
           <a:p>
             <a:fld id="{D9697865-2158-46A4-A484-857B5D1D6248}" type="datetimeFigureOut">
               <a:rPr lang="fr-FR" smtClean="0"/>
-              <a:t>07/06/2018</a:t>
+              <a:t>01/08/2018</a:t>
             </a:fld>
             <a:endParaRPr lang="fr-FR"/>
           </a:p>
@@ -2352,7 +2353,7 @@
           <a:p>
             <a:fld id="{D9697865-2158-46A4-A484-857B5D1D6248}" type="datetimeFigureOut">
               <a:rPr lang="fr-FR" smtClean="0"/>
-              <a:t>07/06/2018</a:t>
+              <a:t>01/08/2018</a:t>
             </a:fld>
             <a:endParaRPr lang="fr-FR"/>
           </a:p>
@@ -2565,7 +2566,7 @@
           <a:p>
             <a:fld id="{D9697865-2158-46A4-A484-857B5D1D6248}" type="datetimeFigureOut">
               <a:rPr lang="fr-FR" smtClean="0"/>
-              <a:t>07/06/2018</a:t>
+              <a:t>01/08/2018</a:t>
             </a:fld>
             <a:endParaRPr lang="fr-FR"/>
           </a:p>
@@ -6841,9 +6842,6 @@
                 </a:rPr>
                 <a:t>Densité de probabilité des traits (TDP)</a:t>
               </a:r>
-              <a:endParaRPr lang="fr-FR" sz="1050" b="1" dirty="0" smtClean="0">
-                <a:latin typeface="Cambria" panose="02040503050406030204" pitchFamily="18" charset="0"/>
-              </a:endParaRPr>
             </a:p>
             <a:p>
               <a:pPr algn="ctr"/>
@@ -6885,12 +6883,6 @@
                 </a:rPr>
                 <a:t>Estimation par noyau</a:t>
               </a:r>
-              <a:endParaRPr lang="fr-FR" sz="1000" b="1" dirty="0" smtClean="0">
-                <a:solidFill>
-                  <a:schemeClr val="accent1"/>
-                </a:solidFill>
-                <a:latin typeface="Cambria" panose="02040503050406030204" pitchFamily="18" charset="0"/>
-              </a:endParaRPr>
             </a:p>
             <a:p>
               <a:pPr algn="ctr"/>
@@ -7617,9 +7609,6 @@
                 </a:rPr>
                 <a:t>TDP pour l’inventaire</a:t>
               </a:r>
-              <a:endParaRPr lang="fr-FR" sz="1050" b="1" dirty="0" smtClean="0">
-                <a:latin typeface="Cambria" panose="02040503050406030204" pitchFamily="18" charset="0"/>
-              </a:endParaRPr>
             </a:p>
             <a:p>
               <a:pPr algn="ctr"/>
@@ -8213,6 +8202,108 @@
 </p:sld>
 </file>
 
+<file path=ppt/slides/slide3.xml><?xml version="1.0" encoding="utf-8"?>
+<p:sld xmlns:a="http://schemas.openxmlformats.org/drawingml/2006/main" xmlns:r="http://schemas.openxmlformats.org/officeDocument/2006/relationships" xmlns:p="http://schemas.openxmlformats.org/presentationml/2006/main">
+  <p:cSld>
+    <p:spTree>
+      <p:nvGrpSpPr>
+        <p:cNvPr id="1" name=""/>
+        <p:cNvGrpSpPr/>
+        <p:nvPr/>
+      </p:nvGrpSpPr>
+      <p:grpSpPr>
+        <a:xfrm>
+          <a:off x="0" y="0"/>
+          <a:ext cx="0" cy="0"/>
+          <a:chOff x="0" y="0"/>
+          <a:chExt cx="0" cy="0"/>
+        </a:xfrm>
+      </p:grpSpPr>
+      <p:pic>
+        <p:nvPicPr>
+          <p:cNvPr id="4" name="Image 3"/>
+          <p:cNvPicPr>
+            <a:picLocks noChangeAspect="1"/>
+          </p:cNvPicPr>
+          <p:nvPr/>
+        </p:nvPicPr>
+        <p:blipFill>
+          <a:blip r:embed="rId2">
+            <a:extLst>
+              <a:ext uri="{28A0092B-C50C-407E-A947-70E740481C1C}">
+                <a14:useLocalDpi xmlns:a14="http://schemas.microsoft.com/office/drawing/2010/main" val="0"/>
+              </a:ext>
+            </a:extLst>
+          </a:blip>
+          <a:stretch>
+            <a:fillRect/>
+          </a:stretch>
+        </p:blipFill>
+        <p:spPr>
+          <a:xfrm>
+            <a:off x="2450276" y="2176163"/>
+            <a:ext cx="7291448" cy="2505673"/>
+          </a:xfrm>
+          <a:prstGeom prst="rect">
+            <a:avLst/>
+          </a:prstGeom>
+        </p:spPr>
+      </p:pic>
+      <p:sp>
+        <p:nvSpPr>
+          <p:cNvPr id="5" name="ZoneTexte 4"/>
+          <p:cNvSpPr txBox="1"/>
+          <p:nvPr/>
+        </p:nvSpPr>
+        <p:spPr>
+          <a:xfrm>
+            <a:off x="8557779" y="4404837"/>
+            <a:ext cx="1162691" cy="276999"/>
+          </a:xfrm>
+          <a:prstGeom prst="rect">
+            <a:avLst/>
+          </a:prstGeom>
+          <a:solidFill>
+            <a:schemeClr val="bg1"/>
+          </a:solidFill>
+        </p:spPr>
+        <p:txBody>
+          <a:bodyPr wrap="none" rtlCol="0">
+            <a:spAutoFit/>
+          </a:bodyPr>
+          <a:lstStyle/>
+          <a:p>
+            <a:r>
+              <a:rPr lang="fr-FR" sz="1200" dirty="0" err="1" smtClean="0">
+                <a:latin typeface="Cambria" panose="02040503050406030204" pitchFamily="18" charset="0"/>
+              </a:rPr>
+              <a:t>Diversity</a:t>
+            </a:r>
+            <a:r>
+              <a:rPr lang="fr-FR" sz="1200" dirty="0" smtClean="0">
+                <a:latin typeface="Cambria" panose="02040503050406030204" pitchFamily="18" charset="0"/>
+              </a:rPr>
+              <a:t> value</a:t>
+            </a:r>
+            <a:endParaRPr lang="fr-FR" sz="1200" dirty="0">
+              <a:latin typeface="Cambria" panose="02040503050406030204" pitchFamily="18" charset="0"/>
+            </a:endParaRPr>
+          </a:p>
+        </p:txBody>
+      </p:sp>
+    </p:spTree>
+    <p:extLst>
+      <p:ext uri="{BB962C8B-B14F-4D97-AF65-F5344CB8AC3E}">
+        <p14:creationId xmlns:p14="http://schemas.microsoft.com/office/powerpoint/2010/main" val="520732506"/>
+      </p:ext>
+    </p:extLst>
+  </p:cSld>
+  <p:clrMapOvr>
+    <a:masterClrMapping/>
+  </p:clrMapOvr>
+</p:sld>
+</file>
+
 <file path=ppt/theme/theme1.xml><?xml version="1.0" encoding="utf-8"?>
 <a:theme xmlns:a="http://schemas.openxmlformats.org/drawingml/2006/main" name="Thème Office">
   <a:themeElements>

--- a/ExternalFig/FunctionalRedundancy.pptx
+++ b/ExternalFig/FunctionalRedundancy.pptx
@@ -245,7 +245,7 @@
           <a:p>
             <a:fld id="{D9697865-2158-46A4-A484-857B5D1D6248}" type="datetimeFigureOut">
               <a:rPr lang="fr-FR" smtClean="0"/>
-              <a:t>01/08/2018</a:t>
+              <a:t>05/11/2018</a:t>
             </a:fld>
             <a:endParaRPr lang="fr-FR"/>
           </a:p>
@@ -415,7 +415,7 @@
           <a:p>
             <a:fld id="{D9697865-2158-46A4-A484-857B5D1D6248}" type="datetimeFigureOut">
               <a:rPr lang="fr-FR" smtClean="0"/>
-              <a:t>01/08/2018</a:t>
+              <a:t>05/11/2018</a:t>
             </a:fld>
             <a:endParaRPr lang="fr-FR"/>
           </a:p>
@@ -595,7 +595,7 @@
           <a:p>
             <a:fld id="{D9697865-2158-46A4-A484-857B5D1D6248}" type="datetimeFigureOut">
               <a:rPr lang="fr-FR" smtClean="0"/>
-              <a:t>01/08/2018</a:t>
+              <a:t>05/11/2018</a:t>
             </a:fld>
             <a:endParaRPr lang="fr-FR"/>
           </a:p>
@@ -765,7 +765,7 @@
           <a:p>
             <a:fld id="{D9697865-2158-46A4-A484-857B5D1D6248}" type="datetimeFigureOut">
               <a:rPr lang="fr-FR" smtClean="0"/>
-              <a:t>01/08/2018</a:t>
+              <a:t>05/11/2018</a:t>
             </a:fld>
             <a:endParaRPr lang="fr-FR"/>
           </a:p>
@@ -1011,7 +1011,7 @@
           <a:p>
             <a:fld id="{D9697865-2158-46A4-A484-857B5D1D6248}" type="datetimeFigureOut">
               <a:rPr lang="fr-FR" smtClean="0"/>
-              <a:t>01/08/2018</a:t>
+              <a:t>05/11/2018</a:t>
             </a:fld>
             <a:endParaRPr lang="fr-FR"/>
           </a:p>
@@ -1243,7 +1243,7 @@
           <a:p>
             <a:fld id="{D9697865-2158-46A4-A484-857B5D1D6248}" type="datetimeFigureOut">
               <a:rPr lang="fr-FR" smtClean="0"/>
-              <a:t>01/08/2018</a:t>
+              <a:t>05/11/2018</a:t>
             </a:fld>
             <a:endParaRPr lang="fr-FR"/>
           </a:p>
@@ -1610,7 +1610,7 @@
           <a:p>
             <a:fld id="{D9697865-2158-46A4-A484-857B5D1D6248}" type="datetimeFigureOut">
               <a:rPr lang="fr-FR" smtClean="0"/>
-              <a:t>01/08/2018</a:t>
+              <a:t>05/11/2018</a:t>
             </a:fld>
             <a:endParaRPr lang="fr-FR"/>
           </a:p>
@@ -1728,7 +1728,7 @@
           <a:p>
             <a:fld id="{D9697865-2158-46A4-A484-857B5D1D6248}" type="datetimeFigureOut">
               <a:rPr lang="fr-FR" smtClean="0"/>
-              <a:t>01/08/2018</a:t>
+              <a:t>05/11/2018</a:t>
             </a:fld>
             <a:endParaRPr lang="fr-FR"/>
           </a:p>
@@ -1823,7 +1823,7 @@
           <a:p>
             <a:fld id="{D9697865-2158-46A4-A484-857B5D1D6248}" type="datetimeFigureOut">
               <a:rPr lang="fr-FR" smtClean="0"/>
-              <a:t>01/08/2018</a:t>
+              <a:t>05/11/2018</a:t>
             </a:fld>
             <a:endParaRPr lang="fr-FR"/>
           </a:p>
@@ -2100,7 +2100,7 @@
           <a:p>
             <a:fld id="{D9697865-2158-46A4-A484-857B5D1D6248}" type="datetimeFigureOut">
               <a:rPr lang="fr-FR" smtClean="0"/>
-              <a:t>01/08/2018</a:t>
+              <a:t>05/11/2018</a:t>
             </a:fld>
             <a:endParaRPr lang="fr-FR"/>
           </a:p>
@@ -2353,7 +2353,7 @@
           <a:p>
             <a:fld id="{D9697865-2158-46A4-A484-857B5D1D6248}" type="datetimeFigureOut">
               <a:rPr lang="fr-FR" smtClean="0"/>
-              <a:t>01/08/2018</a:t>
+              <a:t>05/11/2018</a:t>
             </a:fld>
             <a:endParaRPr lang="fr-FR"/>
           </a:p>
@@ -2566,7 +2566,7 @@
           <a:p>
             <a:fld id="{D9697865-2158-46A4-A484-857B5D1D6248}" type="datetimeFigureOut">
               <a:rPr lang="fr-FR" smtClean="0"/>
-              <a:t>01/08/2018</a:t>
+              <a:t>05/11/2018</a:t>
             </a:fld>
             <a:endParaRPr lang="fr-FR"/>
           </a:p>
@@ -8219,30 +8219,1595 @@
           <a:chExt cx="0" cy="0"/>
         </a:xfrm>
       </p:grpSpPr>
+      <p:grpSp>
+        <p:nvGrpSpPr>
+          <p:cNvPr id="40" name="Group 8"/>
+          <p:cNvGrpSpPr/>
+          <p:nvPr/>
+        </p:nvGrpSpPr>
+        <p:grpSpPr>
+          <a:xfrm>
+            <a:off x="-103494" y="1412558"/>
+            <a:ext cx="1895680" cy="5255106"/>
+            <a:chOff x="-412708" y="2089606"/>
+            <a:chExt cx="1895680" cy="5255106"/>
+          </a:xfrm>
+        </p:grpSpPr>
+        <p:sp>
+          <p:nvSpPr>
+            <p:cNvPr id="41" name="Rectangle 40"/>
+            <p:cNvSpPr/>
+            <p:nvPr/>
+          </p:nvSpPr>
+          <p:spPr>
+            <a:xfrm>
+              <a:off x="258512" y="3835570"/>
+              <a:ext cx="588623" cy="2123658"/>
+            </a:xfrm>
+            <a:prstGeom prst="rect">
+              <a:avLst/>
+            </a:prstGeom>
+          </p:spPr>
+          <p:txBody>
+            <a:bodyPr wrap="none">
+              <a:spAutoFit/>
+            </a:bodyPr>
+            <a:lstStyle/>
+            <a:p>
+              <a:r>
+                <a:rPr lang="fr-FR" dirty="0" smtClean="0">
+                  <a:latin typeface="Cambria Math" panose="02040503050406030204" pitchFamily="18" charset="0"/>
+                  <a:ea typeface="Cambria Math" panose="02040503050406030204" pitchFamily="18" charset="0"/>
+                </a:rPr>
+                <a:t>Sp</a:t>
+              </a:r>
+              <a:r>
+                <a:rPr lang="fr-FR" baseline="-25000" dirty="0" smtClean="0">
+                  <a:latin typeface="Cambria Math" panose="02040503050406030204" pitchFamily="18" charset="0"/>
+                  <a:ea typeface="Cambria Math" panose="02040503050406030204" pitchFamily="18" charset="0"/>
+                </a:rPr>
+                <a:t>1</a:t>
+              </a:r>
+            </a:p>
+            <a:p>
+              <a:r>
+                <a:rPr lang="fr-FR" dirty="0" smtClean="0">
+                  <a:latin typeface="Cambria Math" panose="02040503050406030204" pitchFamily="18" charset="0"/>
+                  <a:ea typeface="Cambria Math" panose="02040503050406030204" pitchFamily="18" charset="0"/>
+                </a:rPr>
+                <a:t>Sp</a:t>
+              </a:r>
+              <a:r>
+                <a:rPr lang="fr-FR" baseline="-25000" dirty="0" smtClean="0">
+                  <a:latin typeface="Cambria Math" panose="02040503050406030204" pitchFamily="18" charset="0"/>
+                  <a:ea typeface="Cambria Math" panose="02040503050406030204" pitchFamily="18" charset="0"/>
+                </a:rPr>
+                <a:t>2</a:t>
+              </a:r>
+            </a:p>
+            <a:p>
+              <a:r>
+                <a:rPr lang="fr-FR" baseline="-25000" dirty="0" smtClean="0">
+                  <a:latin typeface="Cambria Math" panose="02040503050406030204" pitchFamily="18" charset="0"/>
+                  <a:ea typeface="Cambria Math" panose="02040503050406030204" pitchFamily="18" charset="0"/>
+                </a:rPr>
+                <a:t>…</a:t>
+              </a:r>
+            </a:p>
+            <a:p>
+              <a:r>
+                <a:rPr lang="fr-FR" dirty="0" smtClean="0">
+                  <a:latin typeface="Cambria Math" panose="02040503050406030204" pitchFamily="18" charset="0"/>
+                  <a:ea typeface="Cambria Math" panose="02040503050406030204" pitchFamily="18" charset="0"/>
+                </a:rPr>
+                <a:t>Sp</a:t>
+              </a:r>
+              <a:r>
+                <a:rPr lang="fr-FR" baseline="-25000" dirty="0" smtClean="0">
+                  <a:latin typeface="Cambria Math" panose="02040503050406030204" pitchFamily="18" charset="0"/>
+                  <a:ea typeface="Cambria Math" panose="02040503050406030204" pitchFamily="18" charset="0"/>
+                </a:rPr>
+                <a:t>S1</a:t>
+              </a:r>
+            </a:p>
+            <a:p>
+              <a:r>
+                <a:rPr lang="fr-FR" dirty="0" smtClean="0">
+                  <a:solidFill>
+                    <a:srgbClr val="C00000"/>
+                  </a:solidFill>
+                  <a:latin typeface="Cambria Math" panose="02040503050406030204" pitchFamily="18" charset="0"/>
+                  <a:ea typeface="Cambria Math" panose="02040503050406030204" pitchFamily="18" charset="0"/>
+                </a:rPr>
+                <a:t>V</a:t>
+              </a:r>
+              <a:r>
+                <a:rPr lang="fr-FR" baseline="-25000" dirty="0" smtClean="0">
+                  <a:solidFill>
+                    <a:srgbClr val="C00000"/>
+                  </a:solidFill>
+                  <a:latin typeface="Cambria Math" panose="02040503050406030204" pitchFamily="18" charset="0"/>
+                  <a:ea typeface="Cambria Math" panose="02040503050406030204" pitchFamily="18" charset="0"/>
+                </a:rPr>
+                <a:t>1</a:t>
+              </a:r>
+            </a:p>
+            <a:p>
+              <a:r>
+                <a:rPr lang="fr-FR" dirty="0" smtClean="0">
+                  <a:solidFill>
+                    <a:srgbClr val="C00000"/>
+                  </a:solidFill>
+                  <a:latin typeface="Cambria Math" panose="02040503050406030204" pitchFamily="18" charset="0"/>
+                  <a:ea typeface="Cambria Math" panose="02040503050406030204" pitchFamily="18" charset="0"/>
+                </a:rPr>
+                <a:t>V</a:t>
+              </a:r>
+              <a:r>
+                <a:rPr lang="fr-FR" baseline="-25000" dirty="0" smtClean="0">
+                  <a:solidFill>
+                    <a:srgbClr val="C00000"/>
+                  </a:solidFill>
+                  <a:latin typeface="Cambria Math" panose="02040503050406030204" pitchFamily="18" charset="0"/>
+                  <a:ea typeface="Cambria Math" panose="02040503050406030204" pitchFamily="18" charset="0"/>
+                </a:rPr>
+                <a:t>2</a:t>
+              </a:r>
+            </a:p>
+            <a:p>
+              <a:r>
+                <a:rPr lang="fr-FR" baseline="-25000" dirty="0" smtClean="0">
+                  <a:solidFill>
+                    <a:srgbClr val="C00000"/>
+                  </a:solidFill>
+                  <a:latin typeface="Cambria Math" panose="02040503050406030204" pitchFamily="18" charset="0"/>
+                  <a:ea typeface="Cambria Math" panose="02040503050406030204" pitchFamily="18" charset="0"/>
+                </a:rPr>
+                <a:t>…</a:t>
+              </a:r>
+            </a:p>
+            <a:p>
+              <a:r>
+                <a:rPr lang="fr-FR" dirty="0" smtClean="0">
+                  <a:solidFill>
+                    <a:srgbClr val="C00000"/>
+                  </a:solidFill>
+                  <a:latin typeface="Cambria Math" panose="02040503050406030204" pitchFamily="18" charset="0"/>
+                  <a:ea typeface="Cambria Math" panose="02040503050406030204" pitchFamily="18" charset="0"/>
+                </a:rPr>
+                <a:t>V</a:t>
+              </a:r>
+              <a:r>
+                <a:rPr lang="fr-FR" baseline="-25000" dirty="0" smtClean="0">
+                  <a:solidFill>
+                    <a:srgbClr val="C00000"/>
+                  </a:solidFill>
+                  <a:latin typeface="Cambria Math" panose="02040503050406030204" pitchFamily="18" charset="0"/>
+                  <a:ea typeface="Cambria Math" panose="02040503050406030204" pitchFamily="18" charset="0"/>
+                </a:rPr>
+                <a:t>S2</a:t>
+              </a:r>
+              <a:endParaRPr lang="en-US" baseline="-25000" dirty="0">
+                <a:solidFill>
+                  <a:srgbClr val="C00000"/>
+                </a:solidFill>
+              </a:endParaRPr>
+            </a:p>
+          </p:txBody>
+        </p:sp>
+        <p:pic>
+          <p:nvPicPr>
+            <p:cNvPr id="42" name="Picture 2"/>
+            <p:cNvPicPr>
+              <a:picLocks noChangeAspect="1" noChangeArrowheads="1"/>
+            </p:cNvPicPr>
+            <p:nvPr/>
+          </p:nvPicPr>
+          <p:blipFill>
+            <a:blip r:embed="rId2">
+              <a:extLst>
+                <a:ext uri="{28A0092B-C50C-407E-A947-70E740481C1C}">
+                  <a14:useLocalDpi xmlns:a14="http://schemas.microsoft.com/office/drawing/2010/main" val="0"/>
+                </a:ext>
+              </a:extLst>
+            </a:blip>
+            <a:srcRect/>
+            <a:stretch>
+              <a:fillRect/>
+            </a:stretch>
+          </p:blipFill>
+          <p:spPr bwMode="auto">
+            <a:xfrm>
+              <a:off x="-412708" y="2089606"/>
+              <a:ext cx="1310062" cy="5253487"/>
+            </a:xfrm>
+            <a:prstGeom prst="rect">
+              <a:avLst/>
+            </a:prstGeom>
+            <a:noFill/>
+            <a:ln>
+              <a:noFill/>
+            </a:ln>
+            <a:effectLst/>
+            <a:extLst>
+              <a:ext uri="{909E8E84-426E-40DD-AFC4-6F175D3DCCD1}">
+                <a14:hiddenFill xmlns:a14="http://schemas.microsoft.com/office/drawing/2010/main">
+                  <a:solidFill>
+                    <a:schemeClr val="accent1"/>
+                  </a:solidFill>
+                </a14:hiddenFill>
+              </a:ext>
+              <a:ext uri="{91240B29-F687-4F45-9708-019B960494DF}">
+                <a14:hiddenLine xmlns:a14="http://schemas.microsoft.com/office/drawing/2010/main" w="9525">
+                  <a:solidFill>
+                    <a:schemeClr val="tx1"/>
+                  </a:solidFill>
+                  <a:miter lim="800000"/>
+                  <a:headEnd/>
+                  <a:tailEnd/>
+                </a14:hiddenLine>
+              </a:ext>
+              <a:ext uri="{AF507438-7753-43E0-B8FC-AC1667EBCBE1}">
+                <a14:hiddenEffects xmlns:a14="http://schemas.microsoft.com/office/drawing/2010/main">
+                  <a:effectLst>
+                    <a:outerShdw dist="35921" dir="2700000" algn="ctr" rotWithShape="0">
+                      <a:schemeClr val="bg2"/>
+                    </a:outerShdw>
+                  </a:effectLst>
+                </a14:hiddenEffects>
+              </a:ext>
+            </a:extLst>
+          </p:spPr>
+        </p:pic>
+        <p:pic>
+          <p:nvPicPr>
+            <p:cNvPr id="43" name="Picture 2"/>
+            <p:cNvPicPr>
+              <a:picLocks noChangeAspect="1" noChangeArrowheads="1"/>
+            </p:cNvPicPr>
+            <p:nvPr/>
+          </p:nvPicPr>
+          <p:blipFill>
+            <a:blip r:embed="rId2">
+              <a:extLst>
+                <a:ext uri="{28A0092B-C50C-407E-A947-70E740481C1C}">
+                  <a14:useLocalDpi xmlns:a14="http://schemas.microsoft.com/office/drawing/2010/main" val="0"/>
+                </a:ext>
+              </a:extLst>
+            </a:blip>
+            <a:srcRect/>
+            <a:stretch>
+              <a:fillRect/>
+            </a:stretch>
+          </p:blipFill>
+          <p:spPr bwMode="auto">
+            <a:xfrm flipH="1">
+              <a:off x="172910" y="2091225"/>
+              <a:ext cx="1310062" cy="5253487"/>
+            </a:xfrm>
+            <a:prstGeom prst="rect">
+              <a:avLst/>
+            </a:prstGeom>
+            <a:noFill/>
+            <a:ln>
+              <a:noFill/>
+            </a:ln>
+            <a:effectLst/>
+            <a:extLst>
+              <a:ext uri="{909E8E84-426E-40DD-AFC4-6F175D3DCCD1}">
+                <a14:hiddenFill xmlns:a14="http://schemas.microsoft.com/office/drawing/2010/main">
+                  <a:solidFill>
+                    <a:schemeClr val="accent1"/>
+                  </a:solidFill>
+                </a14:hiddenFill>
+              </a:ext>
+              <a:ext uri="{91240B29-F687-4F45-9708-019B960494DF}">
+                <a14:hiddenLine xmlns:a14="http://schemas.microsoft.com/office/drawing/2010/main" w="9525">
+                  <a:solidFill>
+                    <a:schemeClr val="tx1"/>
+                  </a:solidFill>
+                  <a:miter lim="800000"/>
+                  <a:headEnd/>
+                  <a:tailEnd/>
+                </a14:hiddenLine>
+              </a:ext>
+              <a:ext uri="{AF507438-7753-43E0-B8FC-AC1667EBCBE1}">
+                <a14:hiddenEffects xmlns:a14="http://schemas.microsoft.com/office/drawing/2010/main">
+                  <a:effectLst>
+                    <a:outerShdw dist="35921" dir="2700000" algn="ctr" rotWithShape="0">
+                      <a:schemeClr val="bg2"/>
+                    </a:outerShdw>
+                  </a:effectLst>
+                </a14:hiddenEffects>
+              </a:ext>
+            </a:extLst>
+          </p:spPr>
+        </p:pic>
+      </p:grpSp>
+      <p:sp>
+        <p:nvSpPr>
+          <p:cNvPr id="46" name="Rectangle 45"/>
+          <p:cNvSpPr/>
+          <p:nvPr/>
+        </p:nvSpPr>
+        <p:spPr>
+          <a:xfrm>
+            <a:off x="12844" y="5392151"/>
+            <a:ext cx="1513411" cy="646331"/>
+          </a:xfrm>
+          <a:prstGeom prst="rect">
+            <a:avLst/>
+          </a:prstGeom>
+        </p:spPr>
+        <p:txBody>
+          <a:bodyPr wrap="square">
+            <a:spAutoFit/>
+          </a:bodyPr>
+          <a:lstStyle/>
+          <a:p>
+            <a:pPr algn="ctr"/>
+            <a:r>
+              <a:rPr lang="fr-FR" i="1" dirty="0" smtClean="0">
+                <a:latin typeface="Cambria Math" panose="02040503050406030204" pitchFamily="18" charset="0"/>
+                <a:ea typeface="Cambria Math" panose="02040503050406030204" pitchFamily="18" charset="0"/>
+              </a:rPr>
+              <a:t>Initial </a:t>
+            </a:r>
+            <a:r>
+              <a:rPr lang="fr-FR" i="1" dirty="0" err="1" smtClean="0">
+                <a:latin typeface="Cambria Math" panose="02040503050406030204" pitchFamily="18" charset="0"/>
+                <a:ea typeface="Cambria Math" panose="02040503050406030204" pitchFamily="18" charset="0"/>
+              </a:rPr>
+              <a:t>inventory</a:t>
+            </a:r>
+            <a:endParaRPr lang="en-US" i="1" dirty="0"/>
+          </a:p>
+        </p:txBody>
+      </p:sp>
+      <p:grpSp>
+        <p:nvGrpSpPr>
+          <p:cNvPr id="47" name="Group 24"/>
+          <p:cNvGrpSpPr/>
+          <p:nvPr/>
+        </p:nvGrpSpPr>
+        <p:grpSpPr>
+          <a:xfrm>
+            <a:off x="3440274" y="1413367"/>
+            <a:ext cx="2031975" cy="5253488"/>
+            <a:chOff x="-449099" y="2128779"/>
+            <a:chExt cx="2031975" cy="5253488"/>
+          </a:xfrm>
+        </p:grpSpPr>
+        <p:sp>
+          <p:nvSpPr>
+            <p:cNvPr id="48" name="Rectangle 47"/>
+            <p:cNvSpPr/>
+            <p:nvPr/>
+          </p:nvSpPr>
+          <p:spPr>
+            <a:xfrm>
+              <a:off x="258512" y="3835570"/>
+              <a:ext cx="679417" cy="2123658"/>
+            </a:xfrm>
+            <a:prstGeom prst="rect">
+              <a:avLst/>
+            </a:prstGeom>
+          </p:spPr>
+          <p:txBody>
+            <a:bodyPr wrap="none">
+              <a:spAutoFit/>
+            </a:bodyPr>
+            <a:lstStyle/>
+            <a:p>
+              <a:r>
+                <a:rPr lang="fr-FR" dirty="0" smtClean="0">
+                  <a:latin typeface="Cambria Math" panose="02040503050406030204" pitchFamily="18" charset="0"/>
+                  <a:ea typeface="Cambria Math" panose="02040503050406030204" pitchFamily="18" charset="0"/>
+                </a:rPr>
+                <a:t>Sp</a:t>
+              </a:r>
+              <a:r>
+                <a:rPr lang="fr-FR" baseline="-25000" dirty="0" smtClean="0">
+                  <a:latin typeface="Cambria Math" panose="02040503050406030204" pitchFamily="18" charset="0"/>
+                  <a:ea typeface="Cambria Math" panose="02040503050406030204" pitchFamily="18" charset="0"/>
+                </a:rPr>
+                <a:t>1</a:t>
+              </a:r>
+            </a:p>
+            <a:p>
+              <a:r>
+                <a:rPr lang="fr-FR" dirty="0" smtClean="0">
+                  <a:latin typeface="Cambria Math" panose="02040503050406030204" pitchFamily="18" charset="0"/>
+                  <a:ea typeface="Cambria Math" panose="02040503050406030204" pitchFamily="18" charset="0"/>
+                </a:rPr>
+                <a:t>Sp</a:t>
+              </a:r>
+              <a:r>
+                <a:rPr lang="fr-FR" baseline="-25000" dirty="0" smtClean="0">
+                  <a:latin typeface="Cambria Math" panose="02040503050406030204" pitchFamily="18" charset="0"/>
+                  <a:ea typeface="Cambria Math" panose="02040503050406030204" pitchFamily="18" charset="0"/>
+                </a:rPr>
+                <a:t>2</a:t>
+              </a:r>
+            </a:p>
+            <a:p>
+              <a:r>
+                <a:rPr lang="fr-FR" baseline="-25000" dirty="0" smtClean="0">
+                  <a:latin typeface="Cambria Math" panose="02040503050406030204" pitchFamily="18" charset="0"/>
+                  <a:ea typeface="Cambria Math" panose="02040503050406030204" pitchFamily="18" charset="0"/>
+                </a:rPr>
+                <a:t>…</a:t>
+              </a:r>
+            </a:p>
+            <a:p>
+              <a:r>
+                <a:rPr lang="fr-FR" dirty="0" smtClean="0">
+                  <a:latin typeface="Cambria Math" panose="02040503050406030204" pitchFamily="18" charset="0"/>
+                  <a:ea typeface="Cambria Math" panose="02040503050406030204" pitchFamily="18" charset="0"/>
+                </a:rPr>
+                <a:t>Sp</a:t>
+              </a:r>
+              <a:r>
+                <a:rPr lang="fr-FR" baseline="-25000" dirty="0" smtClean="0">
+                  <a:latin typeface="Cambria Math" panose="02040503050406030204" pitchFamily="18" charset="0"/>
+                  <a:ea typeface="Cambria Math" panose="02040503050406030204" pitchFamily="18" charset="0"/>
+                </a:rPr>
+                <a:t>S1</a:t>
+              </a:r>
+            </a:p>
+            <a:p>
+              <a:r>
+                <a:rPr lang="fr-FR" dirty="0" smtClean="0">
+                  <a:solidFill>
+                    <a:schemeClr val="accent6">
+                      <a:lumMod val="75000"/>
+                    </a:schemeClr>
+                  </a:solidFill>
+                  <a:latin typeface="Cambria Math" panose="02040503050406030204" pitchFamily="18" charset="0"/>
+                  <a:ea typeface="Cambria Math" panose="02040503050406030204" pitchFamily="18" charset="0"/>
+                </a:rPr>
+                <a:t>Sp</a:t>
+              </a:r>
+              <a:r>
+                <a:rPr lang="fr-FR" baseline="-25000" dirty="0" smtClean="0">
+                  <a:solidFill>
+                    <a:schemeClr val="accent6">
+                      <a:lumMod val="75000"/>
+                    </a:schemeClr>
+                  </a:solidFill>
+                  <a:latin typeface="Cambria Math" panose="02040503050406030204" pitchFamily="18" charset="0"/>
+                  <a:ea typeface="Cambria Math" panose="02040503050406030204" pitchFamily="18" charset="0"/>
+                </a:rPr>
+                <a:t>V1</a:t>
+              </a:r>
+            </a:p>
+            <a:p>
+              <a:r>
+                <a:rPr lang="fr-FR" dirty="0" smtClean="0">
+                  <a:solidFill>
+                    <a:schemeClr val="accent6">
+                      <a:lumMod val="75000"/>
+                    </a:schemeClr>
+                  </a:solidFill>
+                  <a:latin typeface="Cambria Math" panose="02040503050406030204" pitchFamily="18" charset="0"/>
+                  <a:ea typeface="Cambria Math" panose="02040503050406030204" pitchFamily="18" charset="0"/>
+                </a:rPr>
+                <a:t>Sp</a:t>
+              </a:r>
+              <a:r>
+                <a:rPr lang="fr-FR" baseline="-25000" dirty="0" smtClean="0">
+                  <a:solidFill>
+                    <a:schemeClr val="accent6">
+                      <a:lumMod val="75000"/>
+                    </a:schemeClr>
+                  </a:solidFill>
+                  <a:latin typeface="Cambria Math" panose="02040503050406030204" pitchFamily="18" charset="0"/>
+                  <a:ea typeface="Cambria Math" panose="02040503050406030204" pitchFamily="18" charset="0"/>
+                </a:rPr>
+                <a:t>V2</a:t>
+              </a:r>
+            </a:p>
+            <a:p>
+              <a:r>
+                <a:rPr lang="fr-FR" baseline="-25000" dirty="0" smtClean="0">
+                  <a:solidFill>
+                    <a:schemeClr val="accent6">
+                      <a:lumMod val="75000"/>
+                    </a:schemeClr>
+                  </a:solidFill>
+                  <a:latin typeface="Cambria Math" panose="02040503050406030204" pitchFamily="18" charset="0"/>
+                  <a:ea typeface="Cambria Math" panose="02040503050406030204" pitchFamily="18" charset="0"/>
+                </a:rPr>
+                <a:t>…</a:t>
+              </a:r>
+            </a:p>
+            <a:p>
+              <a:r>
+                <a:rPr lang="fr-FR" dirty="0" smtClean="0">
+                  <a:solidFill>
+                    <a:schemeClr val="accent6">
+                      <a:lumMod val="75000"/>
+                    </a:schemeClr>
+                  </a:solidFill>
+                  <a:latin typeface="Cambria Math" panose="02040503050406030204" pitchFamily="18" charset="0"/>
+                  <a:ea typeface="Cambria Math" panose="02040503050406030204" pitchFamily="18" charset="0"/>
+                </a:rPr>
+                <a:t>Sp</a:t>
+              </a:r>
+              <a:r>
+                <a:rPr lang="fr-FR" baseline="-25000" dirty="0" smtClean="0">
+                  <a:solidFill>
+                    <a:schemeClr val="accent6">
+                      <a:lumMod val="75000"/>
+                    </a:schemeClr>
+                  </a:solidFill>
+                  <a:latin typeface="Cambria Math" panose="02040503050406030204" pitchFamily="18" charset="0"/>
+                  <a:ea typeface="Cambria Math" panose="02040503050406030204" pitchFamily="18" charset="0"/>
+                </a:rPr>
+                <a:t>VS2</a:t>
+              </a:r>
+              <a:endParaRPr lang="en-US" baseline="-25000" dirty="0">
+                <a:solidFill>
+                  <a:schemeClr val="accent6">
+                    <a:lumMod val="75000"/>
+                  </a:schemeClr>
+                </a:solidFill>
+              </a:endParaRPr>
+            </a:p>
+          </p:txBody>
+        </p:sp>
+        <p:pic>
+          <p:nvPicPr>
+            <p:cNvPr id="49" name="Picture 2"/>
+            <p:cNvPicPr>
+              <a:picLocks noChangeAspect="1" noChangeArrowheads="1"/>
+            </p:cNvPicPr>
+            <p:nvPr/>
+          </p:nvPicPr>
+          <p:blipFill>
+            <a:blip r:embed="rId2">
+              <a:extLst>
+                <a:ext uri="{28A0092B-C50C-407E-A947-70E740481C1C}">
+                  <a14:useLocalDpi xmlns:a14="http://schemas.microsoft.com/office/drawing/2010/main" val="0"/>
+                </a:ext>
+              </a:extLst>
+            </a:blip>
+            <a:srcRect/>
+            <a:stretch>
+              <a:fillRect/>
+            </a:stretch>
+          </p:blipFill>
+          <p:spPr bwMode="auto">
+            <a:xfrm>
+              <a:off x="-449099" y="2128780"/>
+              <a:ext cx="1310062" cy="5253487"/>
+            </a:xfrm>
+            <a:prstGeom prst="rect">
+              <a:avLst/>
+            </a:prstGeom>
+            <a:noFill/>
+            <a:ln>
+              <a:noFill/>
+            </a:ln>
+            <a:effectLst/>
+            <a:extLst>
+              <a:ext uri="{909E8E84-426E-40DD-AFC4-6F175D3DCCD1}">
+                <a14:hiddenFill xmlns:a14="http://schemas.microsoft.com/office/drawing/2010/main">
+                  <a:solidFill>
+                    <a:schemeClr val="accent1"/>
+                  </a:solidFill>
+                </a14:hiddenFill>
+              </a:ext>
+              <a:ext uri="{91240B29-F687-4F45-9708-019B960494DF}">
+                <a14:hiddenLine xmlns:a14="http://schemas.microsoft.com/office/drawing/2010/main" w="9525">
+                  <a:solidFill>
+                    <a:schemeClr val="tx1"/>
+                  </a:solidFill>
+                  <a:miter lim="800000"/>
+                  <a:headEnd/>
+                  <a:tailEnd/>
+                </a14:hiddenLine>
+              </a:ext>
+              <a:ext uri="{AF507438-7753-43E0-B8FC-AC1667EBCBE1}">
+                <a14:hiddenEffects xmlns:a14="http://schemas.microsoft.com/office/drawing/2010/main">
+                  <a:effectLst>
+                    <a:outerShdw dist="35921" dir="2700000" algn="ctr" rotWithShape="0">
+                      <a:schemeClr val="bg2"/>
+                    </a:outerShdw>
+                  </a:effectLst>
+                </a14:hiddenEffects>
+              </a:ext>
+            </a:extLst>
+          </p:spPr>
+        </p:pic>
+        <p:pic>
+          <p:nvPicPr>
+            <p:cNvPr id="50" name="Picture 2"/>
+            <p:cNvPicPr>
+              <a:picLocks noChangeAspect="1" noChangeArrowheads="1"/>
+            </p:cNvPicPr>
+            <p:nvPr/>
+          </p:nvPicPr>
+          <p:blipFill>
+            <a:blip r:embed="rId2">
+              <a:extLst>
+                <a:ext uri="{28A0092B-C50C-407E-A947-70E740481C1C}">
+                  <a14:useLocalDpi xmlns:a14="http://schemas.microsoft.com/office/drawing/2010/main" val="0"/>
+                </a:ext>
+              </a:extLst>
+            </a:blip>
+            <a:srcRect/>
+            <a:stretch>
+              <a:fillRect/>
+            </a:stretch>
+          </p:blipFill>
+          <p:spPr bwMode="auto">
+            <a:xfrm flipH="1">
+              <a:off x="272814" y="2128779"/>
+              <a:ext cx="1310062" cy="5253487"/>
+            </a:xfrm>
+            <a:prstGeom prst="rect">
+              <a:avLst/>
+            </a:prstGeom>
+            <a:noFill/>
+            <a:ln>
+              <a:noFill/>
+            </a:ln>
+            <a:effectLst/>
+            <a:extLst>
+              <a:ext uri="{909E8E84-426E-40DD-AFC4-6F175D3DCCD1}">
+                <a14:hiddenFill xmlns:a14="http://schemas.microsoft.com/office/drawing/2010/main">
+                  <a:solidFill>
+                    <a:schemeClr val="accent1"/>
+                  </a:solidFill>
+                </a14:hiddenFill>
+              </a:ext>
+              <a:ext uri="{91240B29-F687-4F45-9708-019B960494DF}">
+                <a14:hiddenLine xmlns:a14="http://schemas.microsoft.com/office/drawing/2010/main" w="9525">
+                  <a:solidFill>
+                    <a:schemeClr val="tx1"/>
+                  </a:solidFill>
+                  <a:miter lim="800000"/>
+                  <a:headEnd/>
+                  <a:tailEnd/>
+                </a14:hiddenLine>
+              </a:ext>
+              <a:ext uri="{AF507438-7753-43E0-B8FC-AC1667EBCBE1}">
+                <a14:hiddenEffects xmlns:a14="http://schemas.microsoft.com/office/drawing/2010/main">
+                  <a:effectLst>
+                    <a:outerShdw dist="35921" dir="2700000" algn="ctr" rotWithShape="0">
+                      <a:schemeClr val="bg2"/>
+                    </a:outerShdw>
+                  </a:effectLst>
+                </a14:hiddenEffects>
+              </a:ext>
+            </a:extLst>
+          </p:spPr>
+        </p:pic>
+      </p:grpSp>
+      <p:grpSp>
+        <p:nvGrpSpPr>
+          <p:cNvPr id="2" name="Groupe 1"/>
+          <p:cNvGrpSpPr/>
+          <p:nvPr/>
+        </p:nvGrpSpPr>
+        <p:grpSpPr>
+          <a:xfrm>
+            <a:off x="1357775" y="3334428"/>
+            <a:ext cx="2503418" cy="1664591"/>
+            <a:chOff x="1385911" y="3455117"/>
+            <a:chExt cx="2503418" cy="1664591"/>
+          </a:xfrm>
+        </p:grpSpPr>
+        <p:grpSp>
+          <p:nvGrpSpPr>
+            <p:cNvPr id="51" name="Group 46"/>
+            <p:cNvGrpSpPr/>
+            <p:nvPr/>
+          </p:nvGrpSpPr>
+          <p:grpSpPr>
+            <a:xfrm>
+              <a:off x="1446181" y="3455117"/>
+              <a:ext cx="2443148" cy="1664591"/>
+              <a:chOff x="1073918" y="3861184"/>
+              <a:chExt cx="2443148" cy="1664591"/>
+            </a:xfrm>
+          </p:grpSpPr>
+          <p:sp>
+            <p:nvSpPr>
+              <p:cNvPr id="53" name="Flèche courbée vers le bas 23"/>
+              <p:cNvSpPr/>
+              <p:nvPr/>
+            </p:nvSpPr>
+            <p:spPr>
+              <a:xfrm rot="5400000">
+                <a:off x="2538625" y="4547335"/>
+                <a:ext cx="1596881" cy="360000"/>
+              </a:xfrm>
+              <a:prstGeom prst="curvedDownArrow">
+                <a:avLst/>
+              </a:prstGeom>
+              <a:solidFill>
+                <a:schemeClr val="tx2">
+                  <a:lumMod val="40000"/>
+                  <a:lumOff val="60000"/>
+                </a:schemeClr>
+              </a:solidFill>
+              <a:ln>
+                <a:noFill/>
+              </a:ln>
+            </p:spPr>
+            <p:style>
+              <a:lnRef idx="2">
+                <a:schemeClr val="accent1">
+                  <a:shade val="50000"/>
+                </a:schemeClr>
+              </a:lnRef>
+              <a:fillRef idx="1">
+                <a:schemeClr val="accent1"/>
+              </a:fillRef>
+              <a:effectRef idx="0">
+                <a:schemeClr val="accent1"/>
+              </a:effectRef>
+              <a:fontRef idx="minor">
+                <a:schemeClr val="lt1"/>
+              </a:fontRef>
+            </p:style>
+            <p:txBody>
+              <a:bodyPr rtlCol="0" anchor="ctr"/>
+              <a:lstStyle/>
+              <a:p>
+                <a:pPr algn="ctr"/>
+                <a:endParaRPr lang="en-US">
+                  <a:solidFill>
+                    <a:schemeClr val="tx1"/>
+                  </a:solidFill>
+                </a:endParaRPr>
+              </a:p>
+            </p:txBody>
+          </p:sp>
+          <p:sp>
+            <p:nvSpPr>
+              <p:cNvPr id="54" name="Flèche courbée vers le bas 23"/>
+              <p:cNvSpPr/>
+              <p:nvPr/>
+            </p:nvSpPr>
+            <p:spPr>
+              <a:xfrm rot="5400000" flipH="1" flipV="1">
+                <a:off x="438130" y="4496972"/>
+                <a:ext cx="1631575" cy="360000"/>
+              </a:xfrm>
+              <a:prstGeom prst="curvedDownArrow">
+                <a:avLst/>
+              </a:prstGeom>
+              <a:solidFill>
+                <a:schemeClr val="tx2">
+                  <a:lumMod val="40000"/>
+                  <a:lumOff val="60000"/>
+                </a:schemeClr>
+              </a:solidFill>
+              <a:ln>
+                <a:noFill/>
+              </a:ln>
+            </p:spPr>
+            <p:style>
+              <a:lnRef idx="2">
+                <a:schemeClr val="accent1">
+                  <a:shade val="50000"/>
+                </a:schemeClr>
+              </a:lnRef>
+              <a:fillRef idx="1">
+                <a:schemeClr val="accent1"/>
+              </a:fillRef>
+              <a:effectRef idx="0">
+                <a:schemeClr val="accent1"/>
+              </a:effectRef>
+              <a:fontRef idx="minor">
+                <a:schemeClr val="lt1"/>
+              </a:fontRef>
+            </p:style>
+            <p:txBody>
+              <a:bodyPr rtlCol="0" anchor="ctr"/>
+              <a:lstStyle/>
+              <a:p>
+                <a:pPr algn="ctr"/>
+                <a:endParaRPr lang="en-US">
+                  <a:solidFill>
+                    <a:schemeClr val="tx1"/>
+                  </a:solidFill>
+                </a:endParaRPr>
+              </a:p>
+            </p:txBody>
+          </p:sp>
+        </p:grpSp>
+        <mc:AlternateContent xmlns:mc="http://schemas.openxmlformats.org/markup-compatibility/2006">
+          <mc:Choice xmlns:a14="http://schemas.microsoft.com/office/drawing/2010/main" Requires="a14">
+            <p:sp>
+              <p:nvSpPr>
+                <p:cNvPr id="57" name="Rectangle 56"/>
+                <p:cNvSpPr/>
+                <p:nvPr/>
+              </p:nvSpPr>
+              <p:spPr>
+                <a:xfrm>
+                  <a:off x="1385911" y="3744849"/>
+                  <a:ext cx="2460638" cy="1140890"/>
+                </a:xfrm>
+                <a:prstGeom prst="rect">
+                  <a:avLst/>
+                </a:prstGeom>
+              </p:spPr>
+              <p:txBody>
+                <a:bodyPr wrap="square">
+                  <a:spAutoFit/>
+                </a:bodyPr>
+                <a:lstStyle/>
+                <a:p>
+                  <a:pPr algn="ctr"/>
+                  <a:r>
+                    <a:rPr lang="fr-FR" i="1" dirty="0" smtClean="0">
+                      <a:latin typeface="Cambria Math" panose="02040503050406030204" pitchFamily="18" charset="0"/>
+                      <a:ea typeface="Cambria Math" panose="02040503050406030204" pitchFamily="18" charset="0"/>
+                    </a:rPr>
+                    <a:t>Multinomial </a:t>
+                  </a:r>
+                  <a:r>
+                    <a:rPr lang="fr-FR" i="1" dirty="0" err="1">
+                      <a:latin typeface="Cambria Math" panose="02040503050406030204" pitchFamily="18" charset="0"/>
+                      <a:ea typeface="Cambria Math" panose="02040503050406030204" pitchFamily="18" charset="0"/>
+                    </a:rPr>
+                    <a:t>botanical</a:t>
+                  </a:r>
+                  <a:r>
+                    <a:rPr lang="fr-FR" i="1" dirty="0">
+                      <a:latin typeface="Cambria Math" panose="02040503050406030204" pitchFamily="18" charset="0"/>
+                      <a:ea typeface="Cambria Math" panose="02040503050406030204" pitchFamily="18" charset="0"/>
+                    </a:rPr>
+                    <a:t> </a:t>
+                  </a:r>
+                  <a:r>
+                    <a:rPr lang="fr-FR" i="1" dirty="0" err="1">
+                      <a:latin typeface="Cambria Math" panose="02040503050406030204" pitchFamily="18" charset="0"/>
+                      <a:ea typeface="Cambria Math" panose="02040503050406030204" pitchFamily="18" charset="0"/>
+                    </a:rPr>
+                    <a:t>name</a:t>
+                  </a:r>
+                  <a:r>
+                    <a:rPr lang="fr-FR" i="1" dirty="0">
+                      <a:latin typeface="Cambria Math" panose="02040503050406030204" pitchFamily="18" charset="0"/>
+                      <a:ea typeface="Cambria Math" panose="02040503050406030204" pitchFamily="18" charset="0"/>
+                    </a:rPr>
+                    <a:t> </a:t>
+                  </a:r>
+                  <a:r>
+                    <a:rPr lang="fr-FR" i="1" dirty="0" err="1" smtClean="0">
+                      <a:latin typeface="Cambria Math" panose="02040503050406030204" pitchFamily="18" charset="0"/>
+                      <a:ea typeface="Cambria Math" panose="02040503050406030204" pitchFamily="18" charset="0"/>
+                    </a:rPr>
+                    <a:t>sampling</a:t>
+                  </a:r>
+                  <a:endParaRPr lang="fr-FR" i="1" dirty="0" smtClean="0">
+                    <a:latin typeface="Cambria Math" panose="02040503050406030204" pitchFamily="18" charset="0"/>
+                    <a:ea typeface="Cambria Math" panose="02040503050406030204" pitchFamily="18" charset="0"/>
+                  </a:endParaRPr>
+                </a:p>
+                <a:p>
+                  <a:pPr algn="ctr">
+                    <a:lnSpc>
+                      <a:spcPct val="150000"/>
+                    </a:lnSpc>
+                  </a:pPr>
+                  <a14:m>
+                    <m:oMathPara xmlns:m="http://schemas.openxmlformats.org/officeDocument/2006/math">
+                      <m:oMathParaPr>
+                        <m:jc m:val="centerGroup"/>
+                      </m:oMathParaPr>
+                      <m:oMath xmlns:m="http://schemas.openxmlformats.org/officeDocument/2006/math">
+                        <m:sSub>
+                          <m:sSubPr>
+                            <m:ctrlPr>
+                              <a:rPr lang="fr-FR" sz="2000" i="1" smtClean="0">
+                                <a:latin typeface="Cambria Math" panose="02040503050406030204" pitchFamily="18" charset="0"/>
+                                <a:ea typeface="Cambria Math" panose="02040503050406030204" pitchFamily="18" charset="0"/>
+                              </a:rPr>
+                            </m:ctrlPr>
+                          </m:sSubPr>
+                          <m:e>
+                            <m:d>
+                              <m:dPr>
+                                <m:begChr m:val="{"/>
+                                <m:endChr m:val="}"/>
+                                <m:ctrlPr>
+                                  <a:rPr lang="fr-FR" sz="2000" i="1">
+                                    <a:latin typeface="Cambria Math" panose="02040503050406030204" pitchFamily="18" charset="0"/>
+                                    <a:ea typeface="Cambria Math" panose="02040503050406030204" pitchFamily="18" charset="0"/>
+                                  </a:rPr>
+                                </m:ctrlPr>
+                              </m:dPr>
+                              <m:e>
+                                <m:d>
+                                  <m:dPr>
+                                    <m:begChr m:val="["/>
+                                    <m:endChr m:val="]"/>
+                                    <m:ctrlPr>
+                                      <a:rPr lang="fr-FR" sz="2000" i="1">
+                                        <a:latin typeface="Cambria Math" panose="02040503050406030204" pitchFamily="18" charset="0"/>
+                                        <a:ea typeface="Cambria Math" panose="02040503050406030204" pitchFamily="18" charset="0"/>
+                                      </a:rPr>
+                                    </m:ctrlPr>
+                                  </m:dPr>
+                                  <m:e>
+                                    <m:sSub>
+                                      <m:sSubPr>
+                                        <m:ctrlPr>
+                                          <a:rPr lang="fr-FR" sz="2000" i="1">
+                                            <a:latin typeface="Cambria Math" panose="02040503050406030204" pitchFamily="18" charset="0"/>
+                                            <a:ea typeface="Cambria Math" panose="02040503050406030204" pitchFamily="18" charset="0"/>
+                                          </a:rPr>
+                                        </m:ctrlPr>
+                                      </m:sSubPr>
+                                      <m:e>
+                                        <m:r>
+                                          <a:rPr lang="fr-FR" sz="2000" i="1">
+                                            <a:latin typeface="Cambria Math" panose="02040503050406030204" pitchFamily="18" charset="0"/>
+                                            <a:ea typeface="Cambria Math" panose="02040503050406030204" pitchFamily="18" charset="0"/>
+                                          </a:rPr>
+                                          <m:t>𝛼</m:t>
+                                        </m:r>
+                                      </m:e>
+                                      <m:sub>
+                                        <m:r>
+                                          <a:rPr lang="fr-FR" sz="2000" i="1">
+                                            <a:latin typeface="Cambria Math" panose="02040503050406030204" pitchFamily="18" charset="0"/>
+                                            <a:ea typeface="Cambria Math" panose="02040503050406030204" pitchFamily="18" charset="0"/>
+                                          </a:rPr>
+                                          <m:t>𝑖</m:t>
+                                        </m:r>
+                                      </m:sub>
+                                    </m:sSub>
+                                  </m:e>
+                                </m:d>
+                              </m:e>
+                            </m:d>
+                            <m:r>
+                              <m:rPr>
+                                <m:nor/>
+                              </m:rPr>
+                              <a:rPr lang="en-US" sz="2000" dirty="0">
+                                <a:latin typeface="Cambria Math" panose="02040503050406030204" pitchFamily="18" charset="0"/>
+                                <a:ea typeface="Cambria Math" panose="02040503050406030204" pitchFamily="18" charset="0"/>
+                              </a:rPr>
+                              <m:t> </m:t>
+                            </m:r>
+                          </m:e>
+                          <m:sub>
+                            <m:r>
+                              <a:rPr lang="fr-FR" sz="2000" b="0" i="1" smtClean="0">
+                                <a:latin typeface="Cambria Math" panose="02040503050406030204" pitchFamily="18" charset="0"/>
+                                <a:ea typeface="Cambria Math" panose="02040503050406030204" pitchFamily="18" charset="0"/>
+                              </a:rPr>
+                              <m:t>𝑖</m:t>
+                            </m:r>
+                            <m:r>
+                              <a:rPr lang="fr-FR" sz="2000" b="0" i="1" smtClean="0">
+                                <a:latin typeface="Cambria Math" panose="02040503050406030204" pitchFamily="18" charset="0"/>
+                                <a:ea typeface="Cambria Math" panose="02040503050406030204" pitchFamily="18" charset="0"/>
+                              </a:rPr>
+                              <m:t>∈</m:t>
+                            </m:r>
+                            <m:d>
+                              <m:dPr>
+                                <m:begChr m:val="["/>
+                                <m:endChr m:val="]"/>
+                                <m:ctrlPr>
+                                  <a:rPr lang="fr-FR" sz="2000" b="0" i="1" smtClean="0">
+                                    <a:latin typeface="Cambria Math" panose="02040503050406030204" pitchFamily="18" charset="0"/>
+                                    <a:ea typeface="Cambria Math" panose="02040503050406030204" pitchFamily="18" charset="0"/>
+                                  </a:rPr>
+                                </m:ctrlPr>
+                              </m:dPr>
+                              <m:e>
+                                <m:r>
+                                  <a:rPr lang="fr-FR" sz="2000" b="0" i="1" smtClean="0">
+                                    <a:latin typeface="Cambria Math" panose="02040503050406030204" pitchFamily="18" charset="0"/>
+                                    <a:ea typeface="Cambria Math" panose="02040503050406030204" pitchFamily="18" charset="0"/>
+                                  </a:rPr>
+                                  <m:t>1,</m:t>
+                                </m:r>
+                                <m:r>
+                                  <a:rPr lang="fr-FR" sz="2000" b="0" i="1" smtClean="0">
+                                    <a:latin typeface="Cambria Math" panose="02040503050406030204" pitchFamily="18" charset="0"/>
+                                    <a:ea typeface="Cambria Math" panose="02040503050406030204" pitchFamily="18" charset="0"/>
+                                  </a:rPr>
+                                  <m:t>𝑁</m:t>
+                                </m:r>
+                              </m:e>
+                            </m:d>
+                          </m:sub>
+                        </m:sSub>
+                      </m:oMath>
+                    </m:oMathPara>
+                  </a14:m>
+                  <a:endParaRPr lang="fr-FR" i="1" dirty="0">
+                    <a:latin typeface="Cambria Math" panose="02040503050406030204" pitchFamily="18" charset="0"/>
+                    <a:ea typeface="Cambria Math" panose="02040503050406030204" pitchFamily="18" charset="0"/>
+                  </a:endParaRPr>
+                </a:p>
+              </p:txBody>
+            </p:sp>
+          </mc:Choice>
+          <mc:Fallback>
+            <p:sp>
+              <p:nvSpPr>
+                <p:cNvPr id="57" name="Rectangle 56"/>
+                <p:cNvSpPr>
+                  <a:spLocks noRot="1" noChangeAspect="1" noMove="1" noResize="1" noEditPoints="1" noAdjustHandles="1" noChangeArrowheads="1" noChangeShapeType="1" noTextEdit="1"/>
+                </p:cNvSpPr>
+                <p:nvPr/>
+              </p:nvSpPr>
+              <p:spPr>
+                <a:xfrm>
+                  <a:off x="1385911" y="3744849"/>
+                  <a:ext cx="2460638" cy="1140890"/>
+                </a:xfrm>
+                <a:prstGeom prst="rect">
+                  <a:avLst/>
+                </a:prstGeom>
+                <a:blipFill>
+                  <a:blip r:embed="rId3"/>
+                  <a:stretch>
+                    <a:fillRect t="-3743"/>
+                  </a:stretch>
+                </a:blipFill>
+              </p:spPr>
+              <p:txBody>
+                <a:bodyPr/>
+                <a:lstStyle/>
+                <a:p>
+                  <a:r>
+                    <a:rPr lang="fr-FR">
+                      <a:noFill/>
+                    </a:rPr>
+                    <a:t> </a:t>
+                  </a:r>
+                </a:p>
+              </p:txBody>
+            </p:sp>
+          </mc:Fallback>
+        </mc:AlternateContent>
+      </p:grpSp>
+      <p:sp>
+        <p:nvSpPr>
+          <p:cNvPr id="58" name="Rectangle 57"/>
+          <p:cNvSpPr/>
+          <p:nvPr/>
+        </p:nvSpPr>
+        <p:spPr>
+          <a:xfrm>
+            <a:off x="3697397" y="5392151"/>
+            <a:ext cx="2701027" cy="646331"/>
+          </a:xfrm>
+          <a:prstGeom prst="rect">
+            <a:avLst/>
+          </a:prstGeom>
+        </p:spPr>
+        <p:txBody>
+          <a:bodyPr wrap="square">
+            <a:spAutoFit/>
+          </a:bodyPr>
+          <a:lstStyle/>
+          <a:p>
+            <a:pPr algn="ctr"/>
+            <a:r>
+              <a:rPr lang="fr-FR" i="1" dirty="0" smtClean="0">
+                <a:latin typeface="Cambria Math" panose="02040503050406030204" pitchFamily="18" charset="0"/>
+                <a:ea typeface="Cambria Math" panose="02040503050406030204" pitchFamily="18" charset="0"/>
+              </a:rPr>
+              <a:t>Set of </a:t>
+            </a:r>
+            <a:r>
+              <a:rPr lang="fr-FR" i="1" dirty="0" err="1" smtClean="0">
+                <a:latin typeface="Cambria Math" panose="02040503050406030204" pitchFamily="18" charset="0"/>
+                <a:ea typeface="Cambria Math" panose="02040503050406030204" pitchFamily="18" charset="0"/>
+              </a:rPr>
+              <a:t>simulated</a:t>
+            </a:r>
+            <a:r>
+              <a:rPr lang="fr-FR" i="1" dirty="0" smtClean="0">
+                <a:latin typeface="Cambria Math" panose="02040503050406030204" pitchFamily="18" charset="0"/>
+                <a:ea typeface="Cambria Math" panose="02040503050406030204" pitchFamily="18" charset="0"/>
+              </a:rPr>
+              <a:t> </a:t>
+            </a:r>
+            <a:r>
+              <a:rPr lang="fr-FR" i="1" dirty="0" err="1" smtClean="0">
+                <a:latin typeface="Cambria Math" panose="02040503050406030204" pitchFamily="18" charset="0"/>
+                <a:ea typeface="Cambria Math" panose="02040503050406030204" pitchFamily="18" charset="0"/>
+              </a:rPr>
+              <a:t>complete</a:t>
+            </a:r>
+            <a:r>
+              <a:rPr lang="fr-FR" i="1" dirty="0" smtClean="0">
+                <a:latin typeface="Cambria Math" panose="02040503050406030204" pitchFamily="18" charset="0"/>
+                <a:ea typeface="Cambria Math" panose="02040503050406030204" pitchFamily="18" charset="0"/>
+              </a:rPr>
+              <a:t> inventories</a:t>
+            </a:r>
+            <a:endParaRPr lang="en-US" i="1" dirty="0"/>
+          </a:p>
+        </p:txBody>
+      </p:sp>
+      <p:sp>
+        <p:nvSpPr>
+          <p:cNvPr id="59" name="Right Arrow 51"/>
+          <p:cNvSpPr/>
+          <p:nvPr/>
+        </p:nvSpPr>
+        <p:spPr>
+          <a:xfrm>
+            <a:off x="6792220" y="3836040"/>
+            <a:ext cx="905598" cy="408143"/>
+          </a:xfrm>
+          <a:prstGeom prst="rightArrow">
+            <a:avLst/>
+          </a:prstGeom>
+          <a:gradFill flip="none" rotWithShape="1">
+            <a:gsLst>
+              <a:gs pos="0">
+                <a:schemeClr val="tx2">
+                  <a:lumMod val="40000"/>
+                  <a:lumOff val="60000"/>
+                  <a:shade val="30000"/>
+                  <a:satMod val="115000"/>
+                </a:schemeClr>
+              </a:gs>
+              <a:gs pos="50000">
+                <a:schemeClr val="tx2">
+                  <a:lumMod val="40000"/>
+                  <a:lumOff val="60000"/>
+                  <a:shade val="67500"/>
+                  <a:satMod val="115000"/>
+                </a:schemeClr>
+              </a:gs>
+              <a:gs pos="100000">
+                <a:schemeClr val="tx2">
+                  <a:lumMod val="40000"/>
+                  <a:lumOff val="60000"/>
+                  <a:shade val="100000"/>
+                  <a:satMod val="115000"/>
+                </a:schemeClr>
+              </a:gs>
+            </a:gsLst>
+            <a:lin ang="0" scaled="1"/>
+            <a:tileRect/>
+          </a:gradFill>
+          <a:ln>
+            <a:noFill/>
+          </a:ln>
+        </p:spPr>
+        <p:style>
+          <a:lnRef idx="2">
+            <a:schemeClr val="accent1">
+              <a:shade val="50000"/>
+            </a:schemeClr>
+          </a:lnRef>
+          <a:fillRef idx="1">
+            <a:schemeClr val="accent1"/>
+          </a:fillRef>
+          <a:effectRef idx="0">
+            <a:schemeClr val="accent1"/>
+          </a:effectRef>
+          <a:fontRef idx="minor">
+            <a:schemeClr val="lt1"/>
+          </a:fontRef>
+        </p:style>
+        <p:txBody>
+          <a:bodyPr rtlCol="0" anchor="ctr"/>
+          <a:lstStyle/>
+          <a:p>
+            <a:pPr algn="ctr"/>
+            <a:endParaRPr lang="en-US">
+              <a:solidFill>
+                <a:schemeClr val="tx1"/>
+              </a:solidFill>
+            </a:endParaRPr>
+          </a:p>
+        </p:txBody>
+      </p:sp>
+      <p:sp>
+        <p:nvSpPr>
+          <p:cNvPr id="60" name="Rectangle 59"/>
+          <p:cNvSpPr/>
+          <p:nvPr/>
+        </p:nvSpPr>
+        <p:spPr>
+          <a:xfrm>
+            <a:off x="6488313" y="4385435"/>
+            <a:ext cx="1513411" cy="646331"/>
+          </a:xfrm>
+          <a:prstGeom prst="rect">
+            <a:avLst/>
+          </a:prstGeom>
+        </p:spPr>
+        <p:txBody>
+          <a:bodyPr wrap="square">
+            <a:spAutoFit/>
+          </a:bodyPr>
+          <a:lstStyle/>
+          <a:p>
+            <a:pPr algn="ctr"/>
+            <a:r>
+              <a:rPr lang="fr-FR" dirty="0" err="1">
+                <a:latin typeface="Cambria Math" panose="02040503050406030204" pitchFamily="18" charset="0"/>
+                <a:ea typeface="Cambria Math" panose="02040503050406030204" pitchFamily="18" charset="0"/>
+              </a:rPr>
+              <a:t>Mean</a:t>
+            </a:r>
+            <a:r>
+              <a:rPr lang="fr-FR" dirty="0">
+                <a:latin typeface="Cambria Math" panose="02040503050406030204" pitchFamily="18" charset="0"/>
+                <a:ea typeface="Cambria Math" panose="02040503050406030204" pitchFamily="18" charset="0"/>
+              </a:rPr>
+              <a:t> and </a:t>
+            </a:r>
+            <a:r>
+              <a:rPr lang="fr-FR" dirty="0" err="1">
+                <a:latin typeface="Cambria Math" panose="02040503050406030204" pitchFamily="18" charset="0"/>
+                <a:ea typeface="Cambria Math" panose="02040503050406030204" pitchFamily="18" charset="0"/>
+              </a:rPr>
+              <a:t>errors</a:t>
+            </a:r>
+            <a:endParaRPr lang="en-US" dirty="0">
+              <a:latin typeface="Cambria Math" panose="02040503050406030204" pitchFamily="18" charset="0"/>
+              <a:ea typeface="Cambria Math" panose="02040503050406030204" pitchFamily="18" charset="0"/>
+            </a:endParaRPr>
+          </a:p>
+        </p:txBody>
+      </p:sp>
+      <p:grpSp>
+        <p:nvGrpSpPr>
+          <p:cNvPr id="61" name="Group 49"/>
+          <p:cNvGrpSpPr/>
+          <p:nvPr/>
+        </p:nvGrpSpPr>
+        <p:grpSpPr>
+          <a:xfrm>
+            <a:off x="4481874" y="1413367"/>
+            <a:ext cx="2031975" cy="5253488"/>
+            <a:chOff x="-449099" y="2128779"/>
+            <a:chExt cx="2031975" cy="5253488"/>
+          </a:xfrm>
+        </p:grpSpPr>
+        <p:sp>
+          <p:nvSpPr>
+            <p:cNvPr id="62" name="Rectangle 61"/>
+            <p:cNvSpPr/>
+            <p:nvPr/>
+          </p:nvSpPr>
+          <p:spPr>
+            <a:xfrm>
+              <a:off x="258512" y="3835570"/>
+              <a:ext cx="679417" cy="2123658"/>
+            </a:xfrm>
+            <a:prstGeom prst="rect">
+              <a:avLst/>
+            </a:prstGeom>
+          </p:spPr>
+          <p:txBody>
+            <a:bodyPr wrap="none">
+              <a:spAutoFit/>
+            </a:bodyPr>
+            <a:lstStyle/>
+            <a:p>
+              <a:r>
+                <a:rPr lang="fr-FR" dirty="0" smtClean="0">
+                  <a:latin typeface="Cambria Math" panose="02040503050406030204" pitchFamily="18" charset="0"/>
+                  <a:ea typeface="Cambria Math" panose="02040503050406030204" pitchFamily="18" charset="0"/>
+                </a:rPr>
+                <a:t>Sp</a:t>
+              </a:r>
+              <a:r>
+                <a:rPr lang="fr-FR" baseline="-25000" dirty="0" smtClean="0">
+                  <a:latin typeface="Cambria Math" panose="02040503050406030204" pitchFamily="18" charset="0"/>
+                  <a:ea typeface="Cambria Math" panose="02040503050406030204" pitchFamily="18" charset="0"/>
+                </a:rPr>
+                <a:t>1</a:t>
+              </a:r>
+            </a:p>
+            <a:p>
+              <a:r>
+                <a:rPr lang="fr-FR" dirty="0" smtClean="0">
+                  <a:latin typeface="Cambria Math" panose="02040503050406030204" pitchFamily="18" charset="0"/>
+                  <a:ea typeface="Cambria Math" panose="02040503050406030204" pitchFamily="18" charset="0"/>
+                </a:rPr>
+                <a:t>Sp</a:t>
+              </a:r>
+              <a:r>
+                <a:rPr lang="fr-FR" baseline="-25000" dirty="0" smtClean="0">
+                  <a:latin typeface="Cambria Math" panose="02040503050406030204" pitchFamily="18" charset="0"/>
+                  <a:ea typeface="Cambria Math" panose="02040503050406030204" pitchFamily="18" charset="0"/>
+                </a:rPr>
+                <a:t>2</a:t>
+              </a:r>
+            </a:p>
+            <a:p>
+              <a:r>
+                <a:rPr lang="fr-FR" baseline="-25000" dirty="0" smtClean="0">
+                  <a:latin typeface="Cambria Math" panose="02040503050406030204" pitchFamily="18" charset="0"/>
+                  <a:ea typeface="Cambria Math" panose="02040503050406030204" pitchFamily="18" charset="0"/>
+                </a:rPr>
+                <a:t>…</a:t>
+              </a:r>
+            </a:p>
+            <a:p>
+              <a:r>
+                <a:rPr lang="fr-FR" dirty="0" smtClean="0">
+                  <a:latin typeface="Cambria Math" panose="02040503050406030204" pitchFamily="18" charset="0"/>
+                  <a:ea typeface="Cambria Math" panose="02040503050406030204" pitchFamily="18" charset="0"/>
+                </a:rPr>
+                <a:t>Sp</a:t>
+              </a:r>
+              <a:r>
+                <a:rPr lang="fr-FR" baseline="-25000" dirty="0" smtClean="0">
+                  <a:latin typeface="Cambria Math" panose="02040503050406030204" pitchFamily="18" charset="0"/>
+                  <a:ea typeface="Cambria Math" panose="02040503050406030204" pitchFamily="18" charset="0"/>
+                </a:rPr>
+                <a:t>S1</a:t>
+              </a:r>
+            </a:p>
+            <a:p>
+              <a:r>
+                <a:rPr lang="fr-FR" dirty="0" smtClean="0">
+                  <a:solidFill>
+                    <a:schemeClr val="accent6">
+                      <a:lumMod val="75000"/>
+                    </a:schemeClr>
+                  </a:solidFill>
+                  <a:latin typeface="Cambria Math" panose="02040503050406030204" pitchFamily="18" charset="0"/>
+                  <a:ea typeface="Cambria Math" panose="02040503050406030204" pitchFamily="18" charset="0"/>
+                </a:rPr>
+                <a:t>Sp</a:t>
+              </a:r>
+              <a:r>
+                <a:rPr lang="fr-FR" baseline="-25000" dirty="0" smtClean="0">
+                  <a:solidFill>
+                    <a:schemeClr val="accent6">
+                      <a:lumMod val="75000"/>
+                    </a:schemeClr>
+                  </a:solidFill>
+                  <a:latin typeface="Cambria Math" panose="02040503050406030204" pitchFamily="18" charset="0"/>
+                  <a:ea typeface="Cambria Math" panose="02040503050406030204" pitchFamily="18" charset="0"/>
+                </a:rPr>
+                <a:t>V1</a:t>
+              </a:r>
+            </a:p>
+            <a:p>
+              <a:r>
+                <a:rPr lang="fr-FR" dirty="0" smtClean="0">
+                  <a:solidFill>
+                    <a:schemeClr val="accent6">
+                      <a:lumMod val="75000"/>
+                    </a:schemeClr>
+                  </a:solidFill>
+                  <a:latin typeface="Cambria Math" panose="02040503050406030204" pitchFamily="18" charset="0"/>
+                  <a:ea typeface="Cambria Math" panose="02040503050406030204" pitchFamily="18" charset="0"/>
+                </a:rPr>
+                <a:t>Sp</a:t>
+              </a:r>
+              <a:r>
+                <a:rPr lang="fr-FR" baseline="-25000" dirty="0" smtClean="0">
+                  <a:solidFill>
+                    <a:schemeClr val="accent6">
+                      <a:lumMod val="75000"/>
+                    </a:schemeClr>
+                  </a:solidFill>
+                  <a:latin typeface="Cambria Math" panose="02040503050406030204" pitchFamily="18" charset="0"/>
+                  <a:ea typeface="Cambria Math" panose="02040503050406030204" pitchFamily="18" charset="0"/>
+                </a:rPr>
+                <a:t>V2</a:t>
+              </a:r>
+            </a:p>
+            <a:p>
+              <a:r>
+                <a:rPr lang="fr-FR" baseline="-25000" dirty="0" smtClean="0">
+                  <a:solidFill>
+                    <a:schemeClr val="accent6">
+                      <a:lumMod val="75000"/>
+                    </a:schemeClr>
+                  </a:solidFill>
+                  <a:latin typeface="Cambria Math" panose="02040503050406030204" pitchFamily="18" charset="0"/>
+                  <a:ea typeface="Cambria Math" panose="02040503050406030204" pitchFamily="18" charset="0"/>
+                </a:rPr>
+                <a:t>…</a:t>
+              </a:r>
+            </a:p>
+            <a:p>
+              <a:r>
+                <a:rPr lang="fr-FR" dirty="0" smtClean="0">
+                  <a:solidFill>
+                    <a:schemeClr val="accent6">
+                      <a:lumMod val="75000"/>
+                    </a:schemeClr>
+                  </a:solidFill>
+                  <a:latin typeface="Cambria Math" panose="02040503050406030204" pitchFamily="18" charset="0"/>
+                  <a:ea typeface="Cambria Math" panose="02040503050406030204" pitchFamily="18" charset="0"/>
+                </a:rPr>
+                <a:t>Sp</a:t>
+              </a:r>
+              <a:r>
+                <a:rPr lang="fr-FR" baseline="-25000" dirty="0" smtClean="0">
+                  <a:solidFill>
+                    <a:schemeClr val="accent6">
+                      <a:lumMod val="75000"/>
+                    </a:schemeClr>
+                  </a:solidFill>
+                  <a:latin typeface="Cambria Math" panose="02040503050406030204" pitchFamily="18" charset="0"/>
+                  <a:ea typeface="Cambria Math" panose="02040503050406030204" pitchFamily="18" charset="0"/>
+                </a:rPr>
+                <a:t>VS2</a:t>
+              </a:r>
+              <a:endParaRPr lang="en-US" baseline="-25000" dirty="0">
+                <a:solidFill>
+                  <a:schemeClr val="accent6">
+                    <a:lumMod val="75000"/>
+                  </a:schemeClr>
+                </a:solidFill>
+              </a:endParaRPr>
+            </a:p>
+          </p:txBody>
+        </p:sp>
+        <p:pic>
+          <p:nvPicPr>
+            <p:cNvPr id="63" name="Picture 2"/>
+            <p:cNvPicPr>
+              <a:picLocks noChangeAspect="1" noChangeArrowheads="1"/>
+            </p:cNvPicPr>
+            <p:nvPr/>
+          </p:nvPicPr>
+          <p:blipFill>
+            <a:blip r:embed="rId2">
+              <a:extLst>
+                <a:ext uri="{28A0092B-C50C-407E-A947-70E740481C1C}">
+                  <a14:useLocalDpi xmlns:a14="http://schemas.microsoft.com/office/drawing/2010/main" val="0"/>
+                </a:ext>
+              </a:extLst>
+            </a:blip>
+            <a:srcRect/>
+            <a:stretch>
+              <a:fillRect/>
+            </a:stretch>
+          </p:blipFill>
+          <p:spPr bwMode="auto">
+            <a:xfrm>
+              <a:off x="-449099" y="2128780"/>
+              <a:ext cx="1310062" cy="5253487"/>
+            </a:xfrm>
+            <a:prstGeom prst="rect">
+              <a:avLst/>
+            </a:prstGeom>
+            <a:noFill/>
+            <a:ln>
+              <a:noFill/>
+            </a:ln>
+            <a:effectLst/>
+            <a:extLst>
+              <a:ext uri="{909E8E84-426E-40DD-AFC4-6F175D3DCCD1}">
+                <a14:hiddenFill xmlns:a14="http://schemas.microsoft.com/office/drawing/2010/main">
+                  <a:solidFill>
+                    <a:schemeClr val="accent1"/>
+                  </a:solidFill>
+                </a14:hiddenFill>
+              </a:ext>
+              <a:ext uri="{91240B29-F687-4F45-9708-019B960494DF}">
+                <a14:hiddenLine xmlns:a14="http://schemas.microsoft.com/office/drawing/2010/main" w="9525">
+                  <a:solidFill>
+                    <a:schemeClr val="tx1"/>
+                  </a:solidFill>
+                  <a:miter lim="800000"/>
+                  <a:headEnd/>
+                  <a:tailEnd/>
+                </a14:hiddenLine>
+              </a:ext>
+              <a:ext uri="{AF507438-7753-43E0-B8FC-AC1667EBCBE1}">
+                <a14:hiddenEffects xmlns:a14="http://schemas.microsoft.com/office/drawing/2010/main">
+                  <a:effectLst>
+                    <a:outerShdw dist="35921" dir="2700000" algn="ctr" rotWithShape="0">
+                      <a:schemeClr val="bg2"/>
+                    </a:outerShdw>
+                  </a:effectLst>
+                </a14:hiddenEffects>
+              </a:ext>
+            </a:extLst>
+          </p:spPr>
+        </p:pic>
+        <p:pic>
+          <p:nvPicPr>
+            <p:cNvPr id="64" name="Picture 2"/>
+            <p:cNvPicPr>
+              <a:picLocks noChangeAspect="1" noChangeArrowheads="1"/>
+            </p:cNvPicPr>
+            <p:nvPr/>
+          </p:nvPicPr>
+          <p:blipFill>
+            <a:blip r:embed="rId2">
+              <a:extLst>
+                <a:ext uri="{28A0092B-C50C-407E-A947-70E740481C1C}">
+                  <a14:useLocalDpi xmlns:a14="http://schemas.microsoft.com/office/drawing/2010/main" val="0"/>
+                </a:ext>
+              </a:extLst>
+            </a:blip>
+            <a:srcRect/>
+            <a:stretch>
+              <a:fillRect/>
+            </a:stretch>
+          </p:blipFill>
+          <p:spPr bwMode="auto">
+            <a:xfrm flipH="1">
+              <a:off x="272814" y="2128779"/>
+              <a:ext cx="1310062" cy="5253487"/>
+            </a:xfrm>
+            <a:prstGeom prst="rect">
+              <a:avLst/>
+            </a:prstGeom>
+            <a:noFill/>
+            <a:ln>
+              <a:noFill/>
+            </a:ln>
+            <a:effectLst/>
+            <a:extLst>
+              <a:ext uri="{909E8E84-426E-40DD-AFC4-6F175D3DCCD1}">
+                <a14:hiddenFill xmlns:a14="http://schemas.microsoft.com/office/drawing/2010/main">
+                  <a:solidFill>
+                    <a:schemeClr val="accent1"/>
+                  </a:solidFill>
+                </a14:hiddenFill>
+              </a:ext>
+              <a:ext uri="{91240B29-F687-4F45-9708-019B960494DF}">
+                <a14:hiddenLine xmlns:a14="http://schemas.microsoft.com/office/drawing/2010/main" w="9525">
+                  <a:solidFill>
+                    <a:schemeClr val="tx1"/>
+                  </a:solidFill>
+                  <a:miter lim="800000"/>
+                  <a:headEnd/>
+                  <a:tailEnd/>
+                </a14:hiddenLine>
+              </a:ext>
+              <a:ext uri="{AF507438-7753-43E0-B8FC-AC1667EBCBE1}">
+                <a14:hiddenEffects xmlns:a14="http://schemas.microsoft.com/office/drawing/2010/main">
+                  <a:effectLst>
+                    <a:outerShdw dist="35921" dir="2700000" algn="ctr" rotWithShape="0">
+                      <a:schemeClr val="bg2"/>
+                    </a:outerShdw>
+                  </a:effectLst>
+                </a14:hiddenEffects>
+              </a:ext>
+            </a:extLst>
+          </p:spPr>
+        </p:pic>
+      </p:grpSp>
       <p:pic>
         <p:nvPicPr>
-          <p:cNvPr id="4" name="Image 3"/>
+          <p:cNvPr id="72" name="Image 71"/>
           <p:cNvPicPr>
             <a:picLocks noChangeAspect="1"/>
           </p:cNvPicPr>
           <p:nvPr/>
         </p:nvPicPr>
-        <p:blipFill>
-          <a:blip r:embed="rId2">
+        <p:blipFill rotWithShape="1">
+          <a:blip r:embed="rId4">
             <a:extLst>
               <a:ext uri="{28A0092B-C50C-407E-A947-70E740481C1C}">
                 <a14:useLocalDpi xmlns:a14="http://schemas.microsoft.com/office/drawing/2010/main" val="0"/>
               </a:ext>
             </a:extLst>
           </a:blip>
-          <a:stretch>
-            <a:fillRect/>
-          </a:stretch>
+          <a:srcRect l="66145" t="10526" r="3569" b="13007"/>
+          <a:stretch/>
         </p:blipFill>
         <p:spPr>
           <a:xfrm>
-            <a:off x="2450276" y="2176163"/>
-            <a:ext cx="7291448" cy="2505673"/>
+            <a:off x="7926055" y="2819336"/>
+            <a:ext cx="3601711" cy="2441551"/>
           </a:xfrm>
           <a:prstGeom prst="rect">
             <a:avLst/>
@@ -8251,42 +9816,114 @@
       </p:pic>
       <p:sp>
         <p:nvSpPr>
-          <p:cNvPr id="5" name="ZoneTexte 4"/>
-          <p:cNvSpPr txBox="1"/>
+          <p:cNvPr id="73" name="Rectangle 72"/>
+          <p:cNvSpPr/>
           <p:nvPr/>
         </p:nvSpPr>
         <p:spPr>
           <a:xfrm>
-            <a:off x="8557779" y="4404837"/>
-            <a:ext cx="1162691" cy="276999"/>
+            <a:off x="8001724" y="2420938"/>
+            <a:ext cx="1513411" cy="338554"/>
           </a:xfrm>
           <a:prstGeom prst="rect">
             <a:avLst/>
           </a:prstGeom>
-          <a:solidFill>
-            <a:schemeClr val="bg1"/>
-          </a:solidFill>
         </p:spPr>
         <p:txBody>
-          <a:bodyPr wrap="none" rtlCol="0">
+          <a:bodyPr wrap="square">
             <a:spAutoFit/>
           </a:bodyPr>
           <a:lstStyle/>
           <a:p>
             <a:r>
-              <a:rPr lang="fr-FR" sz="1200" dirty="0" err="1" smtClean="0">
-                <a:latin typeface="Cambria" panose="02040503050406030204" pitchFamily="18" charset="0"/>
+              <a:rPr lang="fr-FR" sz="1600" dirty="0" err="1" smtClean="0">
+                <a:latin typeface="Cambria Math" panose="02040503050406030204" pitchFamily="18" charset="0"/>
+                <a:ea typeface="Cambria Math" panose="02040503050406030204" pitchFamily="18" charset="0"/>
               </a:rPr>
-              <a:t>Diversity</a:t>
-            </a:r>
-            <a:r>
-              <a:rPr lang="fr-FR" sz="1200" dirty="0" smtClean="0">
-                <a:latin typeface="Cambria" panose="02040503050406030204" pitchFamily="18" charset="0"/>
+              <a:t>Probability</a:t>
+            </a:r>
+            <a:endParaRPr lang="en-US" sz="1600" dirty="0">
+              <a:latin typeface="Cambria Math" panose="02040503050406030204" pitchFamily="18" charset="0"/>
+              <a:ea typeface="Cambria Math" panose="02040503050406030204" pitchFamily="18" charset="0"/>
+            </a:endParaRPr>
+          </a:p>
+        </p:txBody>
+      </p:sp>
+      <p:sp>
+        <p:nvSpPr>
+          <p:cNvPr id="74" name="Rectangle 73"/>
+          <p:cNvSpPr/>
+          <p:nvPr/>
+        </p:nvSpPr>
+        <p:spPr>
+          <a:xfrm>
+            <a:off x="10014355" y="5320731"/>
+            <a:ext cx="1513411" cy="338554"/>
+          </a:xfrm>
+          <a:prstGeom prst="rect">
+            <a:avLst/>
+          </a:prstGeom>
+        </p:spPr>
+        <p:txBody>
+          <a:bodyPr wrap="square">
+            <a:spAutoFit/>
+          </a:bodyPr>
+          <a:lstStyle/>
+          <a:p>
+            <a:pPr algn="r"/>
+            <a:r>
+              <a:rPr lang="fr-FR" sz="1600" dirty="0" err="1" smtClean="0">
+                <a:latin typeface="Cambria Math" panose="02040503050406030204" pitchFamily="18" charset="0"/>
+                <a:ea typeface="Cambria Math" panose="02040503050406030204" pitchFamily="18" charset="0"/>
+              </a:rPr>
+              <a:t>Metric</a:t>
+            </a:r>
+            <a:r>
+              <a:rPr lang="fr-FR" sz="1600" dirty="0" smtClean="0">
+                <a:latin typeface="Cambria Math" panose="02040503050406030204" pitchFamily="18" charset="0"/>
+                <a:ea typeface="Cambria Math" panose="02040503050406030204" pitchFamily="18" charset="0"/>
               </a:rPr>
               <a:t> value</a:t>
             </a:r>
-            <a:endParaRPr lang="fr-FR" sz="1200" dirty="0">
-              <a:latin typeface="Cambria" panose="02040503050406030204" pitchFamily="18" charset="0"/>
+            <a:endParaRPr lang="en-US" sz="1600" dirty="0">
+              <a:latin typeface="Cambria Math" panose="02040503050406030204" pitchFamily="18" charset="0"/>
+              <a:ea typeface="Cambria Math" panose="02040503050406030204" pitchFamily="18" charset="0"/>
+            </a:endParaRPr>
+          </a:p>
+        </p:txBody>
+      </p:sp>
+      <p:sp>
+        <p:nvSpPr>
+          <p:cNvPr id="75" name="Rectangle 74"/>
+          <p:cNvSpPr/>
+          <p:nvPr/>
+        </p:nvSpPr>
+        <p:spPr>
+          <a:xfrm>
+            <a:off x="6068529" y="3747724"/>
+            <a:ext cx="538145" cy="584775"/>
+          </a:xfrm>
+          <a:prstGeom prst="rect">
+            <a:avLst/>
+          </a:prstGeom>
+        </p:spPr>
+        <p:txBody>
+          <a:bodyPr wrap="square">
+            <a:spAutoFit/>
+          </a:bodyPr>
+          <a:lstStyle/>
+          <a:p>
+            <a:pPr algn="ctr"/>
+            <a:r>
+              <a:rPr lang="fr-FR" sz="3200" dirty="0" smtClean="0">
+                <a:latin typeface="Cambria Math" panose="02040503050406030204" pitchFamily="18" charset="0"/>
+                <a:ea typeface="Cambria Math" panose="02040503050406030204" pitchFamily="18" charset="0"/>
+              </a:rPr>
+              <a:t>…</a:t>
+            </a:r>
+            <a:endParaRPr lang="en-US" dirty="0">
+              <a:latin typeface="Cambria Math" panose="02040503050406030204" pitchFamily="18" charset="0"/>
+              <a:ea typeface="Cambria Math" panose="02040503050406030204" pitchFamily="18" charset="0"/>
             </a:endParaRPr>
           </a:p>
         </p:txBody>
